--- a/Git Tutorial/Git Tutorial.pptx
+++ b/Git Tutorial/Git Tutorial.pptx
@@ -33,6 +33,8 @@
     <p:sldId id="283" r:id="rId27"/>
     <p:sldId id="272" r:id="rId28"/>
     <p:sldId id="270" r:id="rId29"/>
+    <p:sldId id="286" r:id="rId30"/>
+    <p:sldId id="285" r:id="rId31"/>
   </p:sldIdLst>
   <p:sldSz cx="12192000" cy="6858000"/>
   <p:notesSz cx="6858000" cy="9144000"/>
@@ -189,7 +191,7 @@
           <a:noFill/>
           <a:extLst>
             <a:ext uri="{909E8E84-426E-40dd-AFC4-6F175D3DCCD1}">
-              <a14:hiddenFill xmlns:a14="http://schemas.microsoft.com/office/drawing/2010/main" xmlns="">
+              <a14:hiddenFill xmlns="" xmlns:a14="http://schemas.microsoft.com/office/drawing/2010/main">
                 <a:solidFill>
                   <a:srgbClr val="FFFFFF"/>
                 </a:solidFill>
@@ -249,7 +251,7 @@
             </a:ln>
             <a:extLst>
               <a:ext uri="{91240B29-F687-4f45-9708-019B960494DF}">
-                <a14:hiddenLine xmlns:a14="http://schemas.microsoft.com/office/drawing/2010/main" xmlns="" w="9525">
+                <a14:hiddenLine xmlns="" xmlns:a14="http://schemas.microsoft.com/office/drawing/2010/main" w="9525">
                   <a:solidFill>
                     <a:srgbClr val="000000"/>
                   </a:solidFill>
@@ -339,7 +341,7 @@
             </a:ln>
             <a:extLst>
               <a:ext uri="{91240B29-F687-4f45-9708-019B960494DF}">
-                <a14:hiddenLine xmlns:a14="http://schemas.microsoft.com/office/drawing/2010/main" xmlns="" w="9525">
+                <a14:hiddenLine xmlns="" xmlns:a14="http://schemas.microsoft.com/office/drawing/2010/main" w="9525">
                   <a:solidFill>
                     <a:srgbClr val="000000"/>
                   </a:solidFill>
@@ -429,7 +431,7 @@
             </a:ln>
             <a:extLst>
               <a:ext uri="{91240B29-F687-4f45-9708-019B960494DF}">
-                <a14:hiddenLine xmlns:a14="http://schemas.microsoft.com/office/drawing/2010/main" xmlns="" w="9525">
+                <a14:hiddenLine xmlns="" xmlns:a14="http://schemas.microsoft.com/office/drawing/2010/main" w="9525">
                   <a:solidFill>
                     <a:srgbClr val="000000"/>
                   </a:solidFill>
@@ -463,7 +465,7 @@
             </a:ln>
             <a:extLst>
               <a:ext uri="{91240B29-F687-4f45-9708-019B960494DF}">
-                <a14:hiddenLine xmlns:a14="http://schemas.microsoft.com/office/drawing/2010/main" xmlns="" w="9525">
+                <a14:hiddenLine xmlns="" xmlns:a14="http://schemas.microsoft.com/office/drawing/2010/main" w="9525">
                   <a:solidFill>
                     <a:srgbClr val="000000"/>
                   </a:solidFill>
@@ -553,7 +555,7 @@
             </a:ln>
             <a:extLst>
               <a:ext uri="{91240B29-F687-4f45-9708-019B960494DF}">
-                <a14:hiddenLine xmlns:a14="http://schemas.microsoft.com/office/drawing/2010/main" xmlns="" w="9525">
+                <a14:hiddenLine xmlns="" xmlns:a14="http://schemas.microsoft.com/office/drawing/2010/main" w="9525">
                   <a:solidFill>
                     <a:srgbClr val="000000"/>
                   </a:solidFill>
@@ -615,7 +617,7 @@
             </a:ln>
             <a:extLst>
               <a:ext uri="{91240B29-F687-4f45-9708-019B960494DF}">
-                <a14:hiddenLine xmlns:a14="http://schemas.microsoft.com/office/drawing/2010/main" xmlns="" w="9525">
+                <a14:hiddenLine xmlns="" xmlns:a14="http://schemas.microsoft.com/office/drawing/2010/main" w="9525">
                   <a:solidFill>
                     <a:srgbClr val="000000"/>
                   </a:solidFill>
@@ -677,7 +679,7 @@
             </a:ln>
             <a:extLst>
               <a:ext uri="{91240B29-F687-4f45-9708-019B960494DF}">
-                <a14:hiddenLine xmlns:a14="http://schemas.microsoft.com/office/drawing/2010/main" xmlns="" w="9525">
+                <a14:hiddenLine xmlns="" xmlns:a14="http://schemas.microsoft.com/office/drawing/2010/main" w="9525">
                   <a:solidFill>
                     <a:srgbClr val="000000"/>
                   </a:solidFill>
@@ -767,7 +769,7 @@
             </a:ln>
             <a:extLst>
               <a:ext uri="{91240B29-F687-4f45-9708-019B960494DF}">
-                <a14:hiddenLine xmlns:a14="http://schemas.microsoft.com/office/drawing/2010/main" xmlns="" w="9525">
+                <a14:hiddenLine xmlns="" xmlns:a14="http://schemas.microsoft.com/office/drawing/2010/main" w="9525">
                   <a:solidFill>
                     <a:srgbClr val="000000"/>
                   </a:solidFill>
@@ -829,7 +831,7 @@
             </a:ln>
             <a:extLst>
               <a:ext uri="{91240B29-F687-4f45-9708-019B960494DF}">
-                <a14:hiddenLine xmlns:a14="http://schemas.microsoft.com/office/drawing/2010/main" xmlns="" w="9525">
+                <a14:hiddenLine xmlns="" xmlns:a14="http://schemas.microsoft.com/office/drawing/2010/main" w="9525">
                   <a:solidFill>
                     <a:srgbClr val="000000"/>
                   </a:solidFill>
@@ -891,7 +893,7 @@
             </a:ln>
             <a:extLst>
               <a:ext uri="{91240B29-F687-4f45-9708-019B960494DF}">
-                <a14:hiddenLine xmlns:a14="http://schemas.microsoft.com/office/drawing/2010/main" xmlns="" w="9525">
+                <a14:hiddenLine xmlns="" xmlns:a14="http://schemas.microsoft.com/office/drawing/2010/main" w="9525">
                   <a:solidFill>
                     <a:srgbClr val="000000"/>
                   </a:solidFill>
@@ -981,7 +983,7 @@
             </a:ln>
             <a:extLst>
               <a:ext uri="{91240B29-F687-4f45-9708-019B960494DF}">
-                <a14:hiddenLine xmlns:a14="http://schemas.microsoft.com/office/drawing/2010/main" xmlns="" w="9525">
+                <a14:hiddenLine xmlns="" xmlns:a14="http://schemas.microsoft.com/office/drawing/2010/main" w="9525">
                   <a:solidFill>
                     <a:srgbClr val="000000"/>
                   </a:solidFill>
@@ -1071,7 +1073,7 @@
             </a:ln>
             <a:extLst>
               <a:ext uri="{91240B29-F687-4f45-9708-019B960494DF}">
-                <a14:hiddenLine xmlns:a14="http://schemas.microsoft.com/office/drawing/2010/main" xmlns="" w="9525">
+                <a14:hiddenLine xmlns="" xmlns:a14="http://schemas.microsoft.com/office/drawing/2010/main" w="9525">
                   <a:solidFill>
                     <a:srgbClr val="000000"/>
                   </a:solidFill>
@@ -1133,7 +1135,7 @@
             </a:ln>
             <a:extLst>
               <a:ext uri="{91240B29-F687-4f45-9708-019B960494DF}">
-                <a14:hiddenLine xmlns:a14="http://schemas.microsoft.com/office/drawing/2010/main" xmlns="" w="9525">
+                <a14:hiddenLine xmlns="" xmlns:a14="http://schemas.microsoft.com/office/drawing/2010/main" w="9525">
                   <a:solidFill>
                     <a:srgbClr val="000000"/>
                   </a:solidFill>
@@ -1243,7 +1245,7 @@
             </a:ln>
             <a:extLst>
               <a:ext uri="{91240B29-F687-4f45-9708-019B960494DF}">
-                <a14:hiddenLine xmlns:a14="http://schemas.microsoft.com/office/drawing/2010/main" xmlns="" w="9525">
+                <a14:hiddenLine xmlns="" xmlns:a14="http://schemas.microsoft.com/office/drawing/2010/main" w="9525">
                   <a:solidFill>
                     <a:srgbClr val="000000"/>
                   </a:solidFill>
@@ -1305,7 +1307,7 @@
             </a:ln>
             <a:extLst>
               <a:ext uri="{91240B29-F687-4f45-9708-019B960494DF}">
-                <a14:hiddenLine xmlns:a14="http://schemas.microsoft.com/office/drawing/2010/main" xmlns="" w="9525">
+                <a14:hiddenLine xmlns="" xmlns:a14="http://schemas.microsoft.com/office/drawing/2010/main" w="9525">
                   <a:solidFill>
                     <a:srgbClr val="000000"/>
                   </a:solidFill>
@@ -1395,7 +1397,7 @@
             </a:ln>
             <a:extLst>
               <a:ext uri="{91240B29-F687-4f45-9708-019B960494DF}">
-                <a14:hiddenLine xmlns:a14="http://schemas.microsoft.com/office/drawing/2010/main" xmlns="" w="9525">
+                <a14:hiddenLine xmlns="" xmlns:a14="http://schemas.microsoft.com/office/drawing/2010/main" w="9525">
                   <a:solidFill>
                     <a:srgbClr val="000000"/>
                   </a:solidFill>
@@ -1485,7 +1487,7 @@
             </a:ln>
             <a:extLst>
               <a:ext uri="{91240B29-F687-4f45-9708-019B960494DF}">
-                <a14:hiddenLine xmlns:a14="http://schemas.microsoft.com/office/drawing/2010/main" xmlns="" w="9525">
+                <a14:hiddenLine xmlns="" xmlns:a14="http://schemas.microsoft.com/office/drawing/2010/main" w="9525">
                   <a:solidFill>
                     <a:srgbClr val="000000"/>
                   </a:solidFill>
@@ -1547,7 +1549,7 @@
             </a:ln>
             <a:extLst>
               <a:ext uri="{91240B29-F687-4f45-9708-019B960494DF}">
-                <a14:hiddenLine xmlns:a14="http://schemas.microsoft.com/office/drawing/2010/main" xmlns="" w="9525">
+                <a14:hiddenLine xmlns="" xmlns:a14="http://schemas.microsoft.com/office/drawing/2010/main" w="9525">
                   <a:solidFill>
                     <a:srgbClr val="000000"/>
                   </a:solidFill>
@@ -1637,7 +1639,7 @@
             </a:ln>
             <a:extLst>
               <a:ext uri="{91240B29-F687-4f45-9708-019B960494DF}">
-                <a14:hiddenLine xmlns:a14="http://schemas.microsoft.com/office/drawing/2010/main" xmlns="" w="9525">
+                <a14:hiddenLine xmlns="" xmlns:a14="http://schemas.microsoft.com/office/drawing/2010/main" w="9525">
                   <a:solidFill>
                     <a:srgbClr val="000000"/>
                   </a:solidFill>
@@ -1727,7 +1729,7 @@
             </a:ln>
             <a:extLst>
               <a:ext uri="{91240B29-F687-4f45-9708-019B960494DF}">
-                <a14:hiddenLine xmlns:a14="http://schemas.microsoft.com/office/drawing/2010/main" xmlns="" w="9525">
+                <a14:hiddenLine xmlns="" xmlns:a14="http://schemas.microsoft.com/office/drawing/2010/main" w="9525">
                   <a:solidFill>
                     <a:srgbClr val="000000"/>
                   </a:solidFill>
@@ -1783,7 +1785,7 @@
             </a:ln>
             <a:extLst>
               <a:ext uri="{91240B29-F687-4f45-9708-019B960494DF}">
-                <a14:hiddenLine xmlns:a14="http://schemas.microsoft.com/office/drawing/2010/main" xmlns="" w="9525">
+                <a14:hiddenLine xmlns="" xmlns:a14="http://schemas.microsoft.com/office/drawing/2010/main" w="9525">
                   <a:solidFill>
                     <a:srgbClr val="000000"/>
                   </a:solidFill>
@@ -1873,7 +1875,7 @@
             </a:ln>
             <a:extLst>
               <a:ext uri="{91240B29-F687-4f45-9708-019B960494DF}">
-                <a14:hiddenLine xmlns:a14="http://schemas.microsoft.com/office/drawing/2010/main" xmlns="" w="9525">
+                <a14:hiddenLine xmlns="" xmlns:a14="http://schemas.microsoft.com/office/drawing/2010/main" w="9525">
                   <a:solidFill>
                     <a:srgbClr val="000000"/>
                   </a:solidFill>
@@ -1929,7 +1931,7 @@
             </a:ln>
             <a:extLst>
               <a:ext uri="{91240B29-F687-4f45-9708-019B960494DF}">
-                <a14:hiddenLine xmlns:a14="http://schemas.microsoft.com/office/drawing/2010/main" xmlns="" w="9525">
+                <a14:hiddenLine xmlns="" xmlns:a14="http://schemas.microsoft.com/office/drawing/2010/main" w="9525">
                   <a:solidFill>
                     <a:srgbClr val="000000"/>
                   </a:solidFill>
@@ -2019,7 +2021,7 @@
             </a:ln>
             <a:extLst>
               <a:ext uri="{91240B29-F687-4f45-9708-019B960494DF}">
-                <a14:hiddenLine xmlns:a14="http://schemas.microsoft.com/office/drawing/2010/main" xmlns="" w="9525">
+                <a14:hiddenLine xmlns="" xmlns:a14="http://schemas.microsoft.com/office/drawing/2010/main" w="9525">
                   <a:solidFill>
                     <a:srgbClr val="000000"/>
                   </a:solidFill>
@@ -2087,7 +2089,7 @@
             </a:ln>
             <a:extLst>
               <a:ext uri="{91240B29-F687-4f45-9708-019B960494DF}">
-                <a14:hiddenLine xmlns:a14="http://schemas.microsoft.com/office/drawing/2010/main" xmlns="" w="9525">
+                <a14:hiddenLine xmlns="" xmlns:a14="http://schemas.microsoft.com/office/drawing/2010/main" w="9525">
                   <a:solidFill>
                     <a:srgbClr val="000000"/>
                   </a:solidFill>
@@ -2177,7 +2179,7 @@
             </a:ln>
             <a:extLst>
               <a:ext uri="{91240B29-F687-4f45-9708-019B960494DF}">
-                <a14:hiddenLine xmlns:a14="http://schemas.microsoft.com/office/drawing/2010/main" xmlns="" w="9525">
+                <a14:hiddenLine xmlns="" xmlns:a14="http://schemas.microsoft.com/office/drawing/2010/main" w="9525">
                   <a:solidFill>
                     <a:srgbClr val="000000"/>
                   </a:solidFill>
@@ -2245,7 +2247,7 @@
             </a:ln>
             <a:extLst>
               <a:ext uri="{91240B29-F687-4f45-9708-019B960494DF}">
-                <a14:hiddenLine xmlns:a14="http://schemas.microsoft.com/office/drawing/2010/main" xmlns="" w="9525">
+                <a14:hiddenLine xmlns="" xmlns:a14="http://schemas.microsoft.com/office/drawing/2010/main" w="9525">
                   <a:solidFill>
                     <a:srgbClr val="000000"/>
                   </a:solidFill>
@@ -2335,7 +2337,7 @@
             </a:ln>
             <a:extLst>
               <a:ext uri="{91240B29-F687-4f45-9708-019B960494DF}">
-                <a14:hiddenLine xmlns:a14="http://schemas.microsoft.com/office/drawing/2010/main" xmlns="" w="9525">
+                <a14:hiddenLine xmlns="" xmlns:a14="http://schemas.microsoft.com/office/drawing/2010/main" w="9525">
                   <a:solidFill>
                     <a:srgbClr val="000000"/>
                   </a:solidFill>
@@ -2369,7 +2371,7 @@
             </a:ln>
             <a:extLst>
               <a:ext uri="{91240B29-F687-4f45-9708-019B960494DF}">
-                <a14:hiddenLine xmlns:a14="http://schemas.microsoft.com/office/drawing/2010/main" xmlns="" w="9525">
+                <a14:hiddenLine xmlns="" xmlns:a14="http://schemas.microsoft.com/office/drawing/2010/main" w="9525">
                   <a:solidFill>
                     <a:srgbClr val="000000"/>
                   </a:solidFill>
@@ -2459,7 +2461,7 @@
             </a:ln>
             <a:extLst>
               <a:ext uri="{91240B29-F687-4f45-9708-019B960494DF}">
-                <a14:hiddenLine xmlns:a14="http://schemas.microsoft.com/office/drawing/2010/main" xmlns="" w="9525">
+                <a14:hiddenLine xmlns="" xmlns:a14="http://schemas.microsoft.com/office/drawing/2010/main" w="9525">
                   <a:solidFill>
                     <a:srgbClr val="000000"/>
                   </a:solidFill>
@@ -2521,7 +2523,7 @@
             </a:ln>
             <a:extLst>
               <a:ext uri="{91240B29-F687-4f45-9708-019B960494DF}">
-                <a14:hiddenLine xmlns:a14="http://schemas.microsoft.com/office/drawing/2010/main" xmlns="" w="9525">
+                <a14:hiddenLine xmlns="" xmlns:a14="http://schemas.microsoft.com/office/drawing/2010/main" w="9525">
                   <a:solidFill>
                     <a:srgbClr val="000000"/>
                   </a:solidFill>
@@ -2583,7 +2585,7 @@
             </a:ln>
             <a:extLst>
               <a:ext uri="{91240B29-F687-4f45-9708-019B960494DF}">
-                <a14:hiddenLine xmlns:a14="http://schemas.microsoft.com/office/drawing/2010/main" xmlns="" w="9525">
+                <a14:hiddenLine xmlns="" xmlns:a14="http://schemas.microsoft.com/office/drawing/2010/main" w="9525">
                   <a:solidFill>
                     <a:srgbClr val="000000"/>
                   </a:solidFill>
@@ -2673,7 +2675,7 @@
             </a:ln>
             <a:extLst>
               <a:ext uri="{91240B29-F687-4f45-9708-019B960494DF}">
-                <a14:hiddenLine xmlns:a14="http://schemas.microsoft.com/office/drawing/2010/main" xmlns="" w="9525">
+                <a14:hiddenLine xmlns="" xmlns:a14="http://schemas.microsoft.com/office/drawing/2010/main" w="9525">
                   <a:solidFill>
                     <a:srgbClr val="000000"/>
                   </a:solidFill>
@@ -2741,7 +2743,7 @@
             </a:ln>
             <a:extLst>
               <a:ext uri="{91240B29-F687-4f45-9708-019B960494DF}">
-                <a14:hiddenLine xmlns:a14="http://schemas.microsoft.com/office/drawing/2010/main" xmlns="" w="9525">
+                <a14:hiddenLine xmlns="" xmlns:a14="http://schemas.microsoft.com/office/drawing/2010/main" w="9525">
                   <a:solidFill>
                     <a:srgbClr val="000000"/>
                   </a:solidFill>
@@ -2803,7 +2805,7 @@
             </a:ln>
             <a:extLst>
               <a:ext uri="{91240B29-F687-4f45-9708-019B960494DF}">
-                <a14:hiddenLine xmlns:a14="http://schemas.microsoft.com/office/drawing/2010/main" xmlns="" w="9525">
+                <a14:hiddenLine xmlns="" xmlns:a14="http://schemas.microsoft.com/office/drawing/2010/main" w="9525">
                   <a:solidFill>
                     <a:srgbClr val="000000"/>
                   </a:solidFill>
@@ -2893,7 +2895,7 @@
             </a:ln>
             <a:extLst>
               <a:ext uri="{91240B29-F687-4f45-9708-019B960494DF}">
-                <a14:hiddenLine xmlns:a14="http://schemas.microsoft.com/office/drawing/2010/main" xmlns="" w="9525">
+                <a14:hiddenLine xmlns="" xmlns:a14="http://schemas.microsoft.com/office/drawing/2010/main" w="9525">
                   <a:solidFill>
                     <a:srgbClr val="000000"/>
                   </a:solidFill>
@@ -2955,7 +2957,7 @@
             </a:ln>
             <a:extLst>
               <a:ext uri="{91240B29-F687-4f45-9708-019B960494DF}">
-                <a14:hiddenLine xmlns:a14="http://schemas.microsoft.com/office/drawing/2010/main" xmlns="" w="9525">
+                <a14:hiddenLine xmlns="" xmlns:a14="http://schemas.microsoft.com/office/drawing/2010/main" w="9525">
                   <a:solidFill>
                     <a:srgbClr val="000000"/>
                   </a:solidFill>
@@ -3045,7 +3047,7 @@
             </a:ln>
             <a:extLst>
               <a:ext uri="{91240B29-F687-4f45-9708-019B960494DF}">
-                <a14:hiddenLine xmlns:a14="http://schemas.microsoft.com/office/drawing/2010/main" xmlns="" w="9525">
+                <a14:hiddenLine xmlns="" xmlns:a14="http://schemas.microsoft.com/office/drawing/2010/main" w="9525">
                   <a:solidFill>
                     <a:srgbClr val="000000"/>
                   </a:solidFill>
@@ -3107,7 +3109,7 @@
             </a:ln>
             <a:extLst>
               <a:ext uri="{91240B29-F687-4f45-9708-019B960494DF}">
-                <a14:hiddenLine xmlns:a14="http://schemas.microsoft.com/office/drawing/2010/main" xmlns="" w="9525">
+                <a14:hiddenLine xmlns="" xmlns:a14="http://schemas.microsoft.com/office/drawing/2010/main" w="9525">
                   <a:solidFill>
                     <a:srgbClr val="000000"/>
                   </a:solidFill>
@@ -3197,7 +3199,7 @@
             </a:ln>
             <a:extLst>
               <a:ext uri="{91240B29-F687-4f45-9708-019B960494DF}">
-                <a14:hiddenLine xmlns:a14="http://schemas.microsoft.com/office/drawing/2010/main" xmlns="" w="9525">
+                <a14:hiddenLine xmlns="" xmlns:a14="http://schemas.microsoft.com/office/drawing/2010/main" w="9525">
                   <a:solidFill>
                     <a:srgbClr val="000000"/>
                   </a:solidFill>
@@ -3231,7 +3233,7 @@
             </a:ln>
             <a:extLst>
               <a:ext uri="{91240B29-F687-4f45-9708-019B960494DF}">
-                <a14:hiddenLine xmlns:a14="http://schemas.microsoft.com/office/drawing/2010/main" xmlns="" w="9525">
+                <a14:hiddenLine xmlns="" xmlns:a14="http://schemas.microsoft.com/office/drawing/2010/main" w="9525">
                   <a:solidFill>
                     <a:srgbClr val="000000"/>
                   </a:solidFill>
@@ -3296,7 +3298,7 @@
             </a:ln>
             <a:extLst>
               <a:ext uri="{91240B29-F687-4f45-9708-019B960494DF}">
-                <a14:hiddenLine xmlns:a14="http://schemas.microsoft.com/office/drawing/2010/main" xmlns="" w="9525">
+                <a14:hiddenLine xmlns="" xmlns:a14="http://schemas.microsoft.com/office/drawing/2010/main" w="9525">
                   <a:solidFill>
                     <a:srgbClr val="000000"/>
                   </a:solidFill>
@@ -3386,7 +3388,7 @@
             </a:ln>
             <a:extLst>
               <a:ext uri="{91240B29-F687-4f45-9708-019B960494DF}">
-                <a14:hiddenLine xmlns:a14="http://schemas.microsoft.com/office/drawing/2010/main" xmlns="" w="9525">
+                <a14:hiddenLine xmlns="" xmlns:a14="http://schemas.microsoft.com/office/drawing/2010/main" w="9525">
                   <a:solidFill>
                     <a:srgbClr val="000000"/>
                   </a:solidFill>
@@ -3448,7 +3450,7 @@
             </a:ln>
             <a:extLst>
               <a:ext uri="{91240B29-F687-4f45-9708-019B960494DF}">
-                <a14:hiddenLine xmlns:a14="http://schemas.microsoft.com/office/drawing/2010/main" xmlns="" w="9525">
+                <a14:hiddenLine xmlns="" xmlns:a14="http://schemas.microsoft.com/office/drawing/2010/main" w="9525">
                   <a:solidFill>
                     <a:srgbClr val="000000"/>
                   </a:solidFill>
@@ -3538,7 +3540,7 @@
             </a:ln>
             <a:extLst>
               <a:ext uri="{91240B29-F687-4f45-9708-019B960494DF}">
-                <a14:hiddenLine xmlns:a14="http://schemas.microsoft.com/office/drawing/2010/main" xmlns="" w="9525">
+                <a14:hiddenLine xmlns="" xmlns:a14="http://schemas.microsoft.com/office/drawing/2010/main" w="9525">
                   <a:solidFill>
                     <a:srgbClr val="000000"/>
                   </a:solidFill>
@@ -3628,7 +3630,7 @@
             </a:ln>
             <a:extLst>
               <a:ext uri="{91240B29-F687-4f45-9708-019B960494DF}">
-                <a14:hiddenLine xmlns:a14="http://schemas.microsoft.com/office/drawing/2010/main" xmlns="" w="9525">
+                <a14:hiddenLine xmlns="" xmlns:a14="http://schemas.microsoft.com/office/drawing/2010/main" w="9525">
                   <a:solidFill>
                     <a:srgbClr val="000000"/>
                   </a:solidFill>
@@ -3693,7 +3695,7 @@
             </a:ln>
             <a:extLst>
               <a:ext uri="{91240B29-F687-4f45-9708-019B960494DF}">
-                <a14:hiddenLine xmlns:a14="http://schemas.microsoft.com/office/drawing/2010/main" xmlns="" w="9525">
+                <a14:hiddenLine xmlns="" xmlns:a14="http://schemas.microsoft.com/office/drawing/2010/main" w="9525">
                   <a:solidFill>
                     <a:srgbClr val="000000"/>
                   </a:solidFill>
@@ -3755,7 +3757,7 @@
             </a:ln>
             <a:extLst>
               <a:ext uri="{91240B29-F687-4f45-9708-019B960494DF}">
-                <a14:hiddenLine xmlns:a14="http://schemas.microsoft.com/office/drawing/2010/main" xmlns="" w="9525">
+                <a14:hiddenLine xmlns="" xmlns:a14="http://schemas.microsoft.com/office/drawing/2010/main" w="9525">
                   <a:solidFill>
                     <a:srgbClr val="000000"/>
                   </a:solidFill>
@@ -3845,7 +3847,7 @@
             </a:ln>
             <a:extLst>
               <a:ext uri="{91240B29-F687-4f45-9708-019B960494DF}">
-                <a14:hiddenLine xmlns:a14="http://schemas.microsoft.com/office/drawing/2010/main" xmlns="" w="9525">
+                <a14:hiddenLine xmlns="" xmlns:a14="http://schemas.microsoft.com/office/drawing/2010/main" w="9525">
                   <a:solidFill>
                     <a:srgbClr val="000000"/>
                   </a:solidFill>
@@ -3935,7 +3937,7 @@
             </a:ln>
             <a:extLst>
               <a:ext uri="{91240B29-F687-4f45-9708-019B960494DF}">
-                <a14:hiddenLine xmlns:a14="http://schemas.microsoft.com/office/drawing/2010/main" xmlns="" w="9525">
+                <a14:hiddenLine xmlns="" xmlns:a14="http://schemas.microsoft.com/office/drawing/2010/main" w="9525">
                   <a:solidFill>
                     <a:srgbClr val="000000"/>
                   </a:solidFill>
@@ -3997,7 +3999,7 @@
             </a:ln>
             <a:extLst>
               <a:ext uri="{91240B29-F687-4f45-9708-019B960494DF}">
-                <a14:hiddenLine xmlns:a14="http://schemas.microsoft.com/office/drawing/2010/main" xmlns="" w="9525">
+                <a14:hiddenLine xmlns="" xmlns:a14="http://schemas.microsoft.com/office/drawing/2010/main" w="9525">
                   <a:solidFill>
                     <a:srgbClr val="000000"/>
                   </a:solidFill>
@@ -4117,7 +4119,7 @@
             </a:ln>
             <a:extLst>
               <a:ext uri="{91240B29-F687-4f45-9708-019B960494DF}">
-                <a14:hiddenLine xmlns:a14="http://schemas.microsoft.com/office/drawing/2010/main" xmlns="" w="9525">
+                <a14:hiddenLine xmlns="" xmlns:a14="http://schemas.microsoft.com/office/drawing/2010/main" w="9525">
                   <a:solidFill>
                     <a:srgbClr val="000000"/>
                   </a:solidFill>
@@ -4185,7 +4187,7 @@
             </a:ln>
             <a:extLst>
               <a:ext uri="{91240B29-F687-4f45-9708-019B960494DF}">
-                <a14:hiddenLine xmlns:a14="http://schemas.microsoft.com/office/drawing/2010/main" xmlns="" w="9525">
+                <a14:hiddenLine xmlns="" xmlns:a14="http://schemas.microsoft.com/office/drawing/2010/main" w="9525">
                   <a:solidFill>
                     <a:srgbClr val="000000"/>
                   </a:solidFill>
@@ -4275,7 +4277,7 @@
             </a:ln>
             <a:extLst>
               <a:ext uri="{91240B29-F687-4f45-9708-019B960494DF}">
-                <a14:hiddenLine xmlns:a14="http://schemas.microsoft.com/office/drawing/2010/main" xmlns="" w="9525">
+                <a14:hiddenLine xmlns="" xmlns:a14="http://schemas.microsoft.com/office/drawing/2010/main" w="9525">
                   <a:solidFill>
                     <a:srgbClr val="000000"/>
                   </a:solidFill>
@@ -4415,7 +4417,7 @@
           <a:p>
             <a:fld id="{48A87A34-81AB-432B-8DAE-1953F412C126}" type="datetimeFigureOut">
               <a:rPr lang="en-US" dirty="0"/>
-              <a:t>10/1/2019</a:t>
+              <a:t>10/2/2019</a:t>
             </a:fld>
             <a:endParaRPr lang="en-US" dirty="0"/>
           </a:p>
@@ -4677,7 +4679,7 @@
           <a:p>
             <a:fld id="{48A87A34-81AB-432B-8DAE-1953F412C126}" type="datetimeFigureOut">
               <a:rPr lang="en-US" dirty="0"/>
-              <a:t>10/1/2019</a:t>
+              <a:t>10/2/2019</a:t>
             </a:fld>
             <a:endParaRPr lang="en-US" dirty="0"/>
           </a:p>
@@ -4868,7 +4870,7 @@
           <a:p>
             <a:fld id="{48A87A34-81AB-432B-8DAE-1953F412C126}" type="datetimeFigureOut">
               <a:rPr lang="en-US" dirty="0"/>
-              <a:t>10/1/2019</a:t>
+              <a:t>10/2/2019</a:t>
             </a:fld>
             <a:endParaRPr lang="en-US" dirty="0"/>
           </a:p>
@@ -5126,7 +5128,7 @@
           <a:p>
             <a:fld id="{48A87A34-81AB-432B-8DAE-1953F412C126}" type="datetimeFigureOut">
               <a:rPr lang="en-US" dirty="0"/>
-              <a:t>10/1/2019</a:t>
+              <a:t>10/2/2019</a:t>
             </a:fld>
             <a:endParaRPr lang="en-US" dirty="0"/>
           </a:p>
@@ -5555,7 +5557,7 @@
           <a:p>
             <a:fld id="{48A87A34-81AB-432B-8DAE-1953F412C126}" type="datetimeFigureOut">
               <a:rPr lang="en-US" dirty="0"/>
-              <a:t>10/1/2019</a:t>
+              <a:t>10/2/2019</a:t>
             </a:fld>
             <a:endParaRPr lang="en-US" dirty="0"/>
           </a:p>
@@ -6096,7 +6098,7 @@
           <a:p>
             <a:fld id="{48A87A34-81AB-432B-8DAE-1953F412C126}" type="datetimeFigureOut">
               <a:rPr lang="en-US" dirty="0"/>
-              <a:t>10/1/2019</a:t>
+              <a:t>10/2/2019</a:t>
             </a:fld>
             <a:endParaRPr lang="en-US" dirty="0"/>
           </a:p>
@@ -6811,7 +6813,7 @@
           <a:p>
             <a:fld id="{48A87A34-81AB-432B-8DAE-1953F412C126}" type="datetimeFigureOut">
               <a:rPr lang="en-US" dirty="0"/>
-              <a:t>10/1/2019</a:t>
+              <a:t>10/2/2019</a:t>
             </a:fld>
             <a:endParaRPr lang="en-US" dirty="0"/>
           </a:p>
@@ -6976,7 +6978,7 @@
           <a:p>
             <a:fld id="{48A87A34-81AB-432B-8DAE-1953F412C126}" type="datetimeFigureOut">
               <a:rPr lang="en-US" dirty="0"/>
-              <a:t>10/1/2019</a:t>
+              <a:t>10/2/2019</a:t>
             </a:fld>
             <a:endParaRPr lang="en-US" dirty="0"/>
           </a:p>
@@ -7151,7 +7153,7 @@
           <a:p>
             <a:fld id="{48A87A34-81AB-432B-8DAE-1953F412C126}" type="datetimeFigureOut">
               <a:rPr lang="en-US" dirty="0"/>
-              <a:t>10/1/2019</a:t>
+              <a:t>10/2/2019</a:t>
             </a:fld>
             <a:endParaRPr lang="en-US" dirty="0"/>
           </a:p>
@@ -7316,7 +7318,7 @@
           <a:p>
             <a:fld id="{48A87A34-81AB-432B-8DAE-1953F412C126}" type="datetimeFigureOut">
               <a:rPr lang="en-US" dirty="0"/>
-              <a:t>10/1/2019</a:t>
+              <a:t>10/2/2019</a:t>
             </a:fld>
             <a:endParaRPr lang="en-US" dirty="0"/>
           </a:p>
@@ -7561,7 +7563,7 @@
           <a:p>
             <a:fld id="{48A87A34-81AB-432B-8DAE-1953F412C126}" type="datetimeFigureOut">
               <a:rPr lang="en-US" dirty="0"/>
-              <a:t>10/1/2019</a:t>
+              <a:t>10/2/2019</a:t>
             </a:fld>
             <a:endParaRPr lang="en-US" dirty="0"/>
           </a:p>
@@ -7788,7 +7790,7 @@
           <a:p>
             <a:fld id="{48A87A34-81AB-432B-8DAE-1953F412C126}" type="datetimeFigureOut">
               <a:rPr lang="en-US" dirty="0"/>
-              <a:t>10/1/2019</a:t>
+              <a:t>10/2/2019</a:t>
             </a:fld>
             <a:endParaRPr lang="en-US" dirty="0"/>
           </a:p>
@@ -8164,7 +8166,7 @@
           <a:p>
             <a:fld id="{48A87A34-81AB-432B-8DAE-1953F412C126}" type="datetimeFigureOut">
               <a:rPr lang="en-US" dirty="0"/>
-              <a:t>10/1/2019</a:t>
+              <a:t>10/2/2019</a:t>
             </a:fld>
             <a:endParaRPr lang="en-US" dirty="0"/>
           </a:p>
@@ -8277,7 +8279,7 @@
           <a:p>
             <a:fld id="{48A87A34-81AB-432B-8DAE-1953F412C126}" type="datetimeFigureOut">
               <a:rPr lang="en-US" dirty="0"/>
-              <a:t>10/1/2019</a:t>
+              <a:t>10/2/2019</a:t>
             </a:fld>
             <a:endParaRPr lang="en-US" dirty="0"/>
           </a:p>
@@ -8367,7 +8369,7 @@
           <a:p>
             <a:fld id="{48A87A34-81AB-432B-8DAE-1953F412C126}" type="datetimeFigureOut">
               <a:rPr lang="en-US" dirty="0"/>
-              <a:t>10/1/2019</a:t>
+              <a:t>10/2/2019</a:t>
             </a:fld>
             <a:endParaRPr lang="en-US" dirty="0"/>
           </a:p>
@@ -8611,7 +8613,7 @@
           <a:p>
             <a:fld id="{48A87A34-81AB-432B-8DAE-1953F412C126}" type="datetimeFigureOut">
               <a:rPr lang="en-US" dirty="0"/>
-              <a:t>10/1/2019</a:t>
+              <a:t>10/2/2019</a:t>
             </a:fld>
             <a:endParaRPr lang="en-US" dirty="0"/>
           </a:p>
@@ -8886,7 +8888,7 @@
           <a:p>
             <a:fld id="{48A87A34-81AB-432B-8DAE-1953F412C126}" type="datetimeFigureOut">
               <a:rPr lang="en-US" dirty="0"/>
-              <a:t>10/1/2019</a:t>
+              <a:t>10/2/2019</a:t>
             </a:fld>
             <a:endParaRPr lang="en-US" dirty="0"/>
           </a:p>
@@ -8997,7 +8999,7 @@
           <a:noFill/>
           <a:extLst>
             <a:ext uri="{909E8E84-426E-40dd-AFC4-6F175D3DCCD1}">
-              <a14:hiddenFill xmlns:a14="http://schemas.microsoft.com/office/drawing/2010/main" xmlns="">
+              <a14:hiddenFill xmlns="" xmlns:a14="http://schemas.microsoft.com/office/drawing/2010/main">
                 <a:solidFill>
                   <a:srgbClr val="FFFFFF"/>
                 </a:solidFill>
@@ -9071,7 +9073,7 @@
               </a:ln>
               <a:extLst>
                 <a:ext uri="{91240B29-F687-4f45-9708-019B960494DF}">
-                  <a14:hiddenLine xmlns:a14="http://schemas.microsoft.com/office/drawing/2010/main" xmlns="" w="9525">
+                  <a14:hiddenLine xmlns="" xmlns:a14="http://schemas.microsoft.com/office/drawing/2010/main" w="9525">
                     <a:solidFill>
                       <a:srgbClr val="000000"/>
                     </a:solidFill>
@@ -9161,7 +9163,7 @@
               </a:ln>
               <a:extLst>
                 <a:ext uri="{91240B29-F687-4f45-9708-019B960494DF}">
-                  <a14:hiddenLine xmlns:a14="http://schemas.microsoft.com/office/drawing/2010/main" xmlns="" w="9525">
+                  <a14:hiddenLine xmlns="" xmlns:a14="http://schemas.microsoft.com/office/drawing/2010/main" w="9525">
                     <a:solidFill>
                       <a:srgbClr val="000000"/>
                     </a:solidFill>
@@ -9251,7 +9253,7 @@
               </a:ln>
               <a:extLst>
                 <a:ext uri="{91240B29-F687-4f45-9708-019B960494DF}">
-                  <a14:hiddenLine xmlns:a14="http://schemas.microsoft.com/office/drawing/2010/main" xmlns="" w="9525">
+                  <a14:hiddenLine xmlns="" xmlns:a14="http://schemas.microsoft.com/office/drawing/2010/main" w="9525">
                     <a:solidFill>
                       <a:srgbClr val="000000"/>
                     </a:solidFill>
@@ -9313,7 +9315,7 @@
               </a:ln>
               <a:extLst>
                 <a:ext uri="{91240B29-F687-4f45-9708-019B960494DF}">
-                  <a14:hiddenLine xmlns:a14="http://schemas.microsoft.com/office/drawing/2010/main" xmlns="" w="9525">
+                  <a14:hiddenLine xmlns="" xmlns:a14="http://schemas.microsoft.com/office/drawing/2010/main" w="9525">
                     <a:solidFill>
                       <a:srgbClr val="000000"/>
                     </a:solidFill>
@@ -9403,7 +9405,7 @@
               </a:ln>
               <a:extLst>
                 <a:ext uri="{91240B29-F687-4f45-9708-019B960494DF}">
-                  <a14:hiddenLine xmlns:a14="http://schemas.microsoft.com/office/drawing/2010/main" xmlns="" w="9525">
+                  <a14:hiddenLine xmlns="" xmlns:a14="http://schemas.microsoft.com/office/drawing/2010/main" w="9525">
                     <a:solidFill>
                       <a:srgbClr val="000000"/>
                     </a:solidFill>
@@ -9465,7 +9467,7 @@
               </a:ln>
               <a:extLst>
                 <a:ext uri="{91240B29-F687-4f45-9708-019B960494DF}">
-                  <a14:hiddenLine xmlns:a14="http://schemas.microsoft.com/office/drawing/2010/main" xmlns="" w="9525">
+                  <a14:hiddenLine xmlns="" xmlns:a14="http://schemas.microsoft.com/office/drawing/2010/main" w="9525">
                     <a:solidFill>
                       <a:srgbClr val="000000"/>
                     </a:solidFill>
@@ -9527,7 +9529,7 @@
               </a:ln>
               <a:extLst>
                 <a:ext uri="{91240B29-F687-4f45-9708-019B960494DF}">
-                  <a14:hiddenLine xmlns:a14="http://schemas.microsoft.com/office/drawing/2010/main" xmlns="" w="9525">
+                  <a14:hiddenLine xmlns="" xmlns:a14="http://schemas.microsoft.com/office/drawing/2010/main" w="9525">
                     <a:solidFill>
                       <a:srgbClr val="000000"/>
                     </a:solidFill>
@@ -9617,7 +9619,7 @@
               </a:ln>
               <a:extLst>
                 <a:ext uri="{91240B29-F687-4f45-9708-019B960494DF}">
-                  <a14:hiddenLine xmlns:a14="http://schemas.microsoft.com/office/drawing/2010/main" xmlns="" w="9525">
+                  <a14:hiddenLine xmlns="" xmlns:a14="http://schemas.microsoft.com/office/drawing/2010/main" w="9525">
                     <a:solidFill>
                       <a:srgbClr val="000000"/>
                     </a:solidFill>
@@ -9707,7 +9709,7 @@
               </a:ln>
               <a:extLst>
                 <a:ext uri="{91240B29-F687-4f45-9708-019B960494DF}">
-                  <a14:hiddenLine xmlns:a14="http://schemas.microsoft.com/office/drawing/2010/main" xmlns="" w="9525">
+                  <a14:hiddenLine xmlns="" xmlns:a14="http://schemas.microsoft.com/office/drawing/2010/main" w="9525">
                     <a:solidFill>
                       <a:srgbClr val="000000"/>
                     </a:solidFill>
@@ -9769,7 +9771,7 @@
               </a:ln>
               <a:extLst>
                 <a:ext uri="{91240B29-F687-4f45-9708-019B960494DF}">
-                  <a14:hiddenLine xmlns:a14="http://schemas.microsoft.com/office/drawing/2010/main" xmlns="" w="9525">
+                  <a14:hiddenLine xmlns="" xmlns:a14="http://schemas.microsoft.com/office/drawing/2010/main" w="9525">
                     <a:solidFill>
                       <a:srgbClr val="000000"/>
                     </a:solidFill>
@@ -9879,7 +9881,7 @@
               </a:ln>
               <a:extLst>
                 <a:ext uri="{91240B29-F687-4f45-9708-019B960494DF}">
-                  <a14:hiddenLine xmlns:a14="http://schemas.microsoft.com/office/drawing/2010/main" xmlns="" w="9525">
+                  <a14:hiddenLine xmlns="" xmlns:a14="http://schemas.microsoft.com/office/drawing/2010/main" w="9525">
                     <a:solidFill>
                       <a:srgbClr val="000000"/>
                     </a:solidFill>
@@ -9963,7 +9965,7 @@
               </a:ln>
               <a:extLst>
                 <a:ext uri="{91240B29-F687-4f45-9708-019B960494DF}">
-                  <a14:hiddenLine xmlns:a14="http://schemas.microsoft.com/office/drawing/2010/main" xmlns="" w="9525">
+                  <a14:hiddenLine xmlns="" xmlns:a14="http://schemas.microsoft.com/office/drawing/2010/main" w="9525">
                     <a:solidFill>
                       <a:srgbClr val="000000"/>
                     </a:solidFill>
@@ -10025,7 +10027,7 @@
               </a:ln>
               <a:extLst>
                 <a:ext uri="{91240B29-F687-4f45-9708-019B960494DF}">
-                  <a14:hiddenLine xmlns:a14="http://schemas.microsoft.com/office/drawing/2010/main" xmlns="" w="9525">
+                  <a14:hiddenLine xmlns="" xmlns:a14="http://schemas.microsoft.com/office/drawing/2010/main" w="9525">
                     <a:solidFill>
                       <a:srgbClr val="000000"/>
                     </a:solidFill>
@@ -10087,7 +10089,7 @@
               </a:ln>
               <a:extLst>
                 <a:ext uri="{91240B29-F687-4f45-9708-019B960494DF}">
-                  <a14:hiddenLine xmlns:a14="http://schemas.microsoft.com/office/drawing/2010/main" xmlns="" w="9525">
+                  <a14:hiddenLine xmlns="" xmlns:a14="http://schemas.microsoft.com/office/drawing/2010/main" w="9525">
                     <a:solidFill>
                       <a:srgbClr val="000000"/>
                     </a:solidFill>
@@ -10177,7 +10179,7 @@
               </a:ln>
               <a:extLst>
                 <a:ext uri="{91240B29-F687-4f45-9708-019B960494DF}">
-                  <a14:hiddenLine xmlns:a14="http://schemas.microsoft.com/office/drawing/2010/main" xmlns="" w="9525">
+                  <a14:hiddenLine xmlns="" xmlns:a14="http://schemas.microsoft.com/office/drawing/2010/main" w="9525">
                     <a:solidFill>
                       <a:srgbClr val="000000"/>
                     </a:solidFill>
@@ -10211,7 +10213,7 @@
               </a:ln>
               <a:extLst>
                 <a:ext uri="{91240B29-F687-4f45-9708-019B960494DF}">
-                  <a14:hiddenLine xmlns:a14="http://schemas.microsoft.com/office/drawing/2010/main" xmlns="" w="9525">
+                  <a14:hiddenLine xmlns="" xmlns:a14="http://schemas.microsoft.com/office/drawing/2010/main" w="9525">
                     <a:solidFill>
                       <a:srgbClr val="000000"/>
                     </a:solidFill>
@@ -10276,7 +10278,7 @@
               </a:ln>
               <a:extLst>
                 <a:ext uri="{91240B29-F687-4f45-9708-019B960494DF}">
-                  <a14:hiddenLine xmlns:a14="http://schemas.microsoft.com/office/drawing/2010/main" xmlns="" w="9525">
+                  <a14:hiddenLine xmlns="" xmlns:a14="http://schemas.microsoft.com/office/drawing/2010/main" w="9525">
                     <a:solidFill>
                       <a:srgbClr val="000000"/>
                     </a:solidFill>
@@ -10366,7 +10368,7 @@
               </a:ln>
               <a:extLst>
                 <a:ext uri="{91240B29-F687-4f45-9708-019B960494DF}">
-                  <a14:hiddenLine xmlns:a14="http://schemas.microsoft.com/office/drawing/2010/main" xmlns="" w="9525">
+                  <a14:hiddenLine xmlns="" xmlns:a14="http://schemas.microsoft.com/office/drawing/2010/main" w="9525">
                     <a:solidFill>
                       <a:srgbClr val="000000"/>
                     </a:solidFill>
@@ -10428,7 +10430,7 @@
               </a:ln>
               <a:extLst>
                 <a:ext uri="{91240B29-F687-4f45-9708-019B960494DF}">
-                  <a14:hiddenLine xmlns:a14="http://schemas.microsoft.com/office/drawing/2010/main" xmlns="" w="9525">
+                  <a14:hiddenLine xmlns="" xmlns:a14="http://schemas.microsoft.com/office/drawing/2010/main" w="9525">
                     <a:solidFill>
                       <a:srgbClr val="000000"/>
                     </a:solidFill>
@@ -10518,7 +10520,7 @@
               </a:ln>
               <a:extLst>
                 <a:ext uri="{91240B29-F687-4f45-9708-019B960494DF}">
-                  <a14:hiddenLine xmlns:a14="http://schemas.microsoft.com/office/drawing/2010/main" xmlns="" w="9525">
+                  <a14:hiddenLine xmlns="" xmlns:a14="http://schemas.microsoft.com/office/drawing/2010/main" w="9525">
                     <a:solidFill>
                       <a:srgbClr val="000000"/>
                     </a:solidFill>
@@ -10583,7 +10585,7 @@
               </a:ln>
               <a:extLst>
                 <a:ext uri="{91240B29-F687-4f45-9708-019B960494DF}">
-                  <a14:hiddenLine xmlns:a14="http://schemas.microsoft.com/office/drawing/2010/main" xmlns="" w="9525">
+                  <a14:hiddenLine xmlns="" xmlns:a14="http://schemas.microsoft.com/office/drawing/2010/main" w="9525">
                     <a:solidFill>
                       <a:srgbClr val="000000"/>
                     </a:solidFill>
@@ -10645,7 +10647,7 @@
               </a:ln>
               <a:extLst>
                 <a:ext uri="{91240B29-F687-4f45-9708-019B960494DF}">
-                  <a14:hiddenLine xmlns:a14="http://schemas.microsoft.com/office/drawing/2010/main" xmlns="" w="9525">
+                  <a14:hiddenLine xmlns="" xmlns:a14="http://schemas.microsoft.com/office/drawing/2010/main" w="9525">
                     <a:solidFill>
                       <a:srgbClr val="000000"/>
                     </a:solidFill>
@@ -10735,7 +10737,7 @@
               </a:ln>
               <a:extLst>
                 <a:ext uri="{91240B29-F687-4f45-9708-019B960494DF}">
-                  <a14:hiddenLine xmlns:a14="http://schemas.microsoft.com/office/drawing/2010/main" xmlns="" w="9525">
+                  <a14:hiddenLine xmlns="" xmlns:a14="http://schemas.microsoft.com/office/drawing/2010/main" w="9525">
                     <a:solidFill>
                       <a:srgbClr val="000000"/>
                     </a:solidFill>
@@ -10825,7 +10827,7 @@
               </a:ln>
               <a:extLst>
                 <a:ext uri="{91240B29-F687-4f45-9708-019B960494DF}">
-                  <a14:hiddenLine xmlns:a14="http://schemas.microsoft.com/office/drawing/2010/main" xmlns="" w="9525">
+                  <a14:hiddenLine xmlns="" xmlns:a14="http://schemas.microsoft.com/office/drawing/2010/main" w="9525">
                     <a:solidFill>
                       <a:srgbClr val="000000"/>
                     </a:solidFill>
@@ -10890,7 +10892,7 @@
               </a:ln>
               <a:extLst>
                 <a:ext uri="{91240B29-F687-4f45-9708-019B960494DF}">
-                  <a14:hiddenLine xmlns:a14="http://schemas.microsoft.com/office/drawing/2010/main" xmlns="" w="9525">
+                  <a14:hiddenLine xmlns="" xmlns:a14="http://schemas.microsoft.com/office/drawing/2010/main" w="9525">
                     <a:solidFill>
                       <a:srgbClr val="000000"/>
                     </a:solidFill>
@@ -11010,7 +11012,7 @@
               </a:ln>
               <a:extLst>
                 <a:ext uri="{91240B29-F687-4f45-9708-019B960494DF}">
-                  <a14:hiddenLine xmlns:a14="http://schemas.microsoft.com/office/drawing/2010/main" xmlns="" w="9525">
+                  <a14:hiddenLine xmlns="" xmlns:a14="http://schemas.microsoft.com/office/drawing/2010/main" w="9525">
                     <a:solidFill>
                       <a:srgbClr val="000000"/>
                     </a:solidFill>
@@ -11108,7 +11110,7 @@
               </a:ln>
               <a:extLst>
                 <a:ext uri="{91240B29-F687-4f45-9708-019B960494DF}">
-                  <a14:hiddenLine xmlns:a14="http://schemas.microsoft.com/office/drawing/2010/main" xmlns="" w="9525">
+                  <a14:hiddenLine xmlns="" xmlns:a14="http://schemas.microsoft.com/office/drawing/2010/main" w="9525">
                     <a:solidFill>
                       <a:srgbClr val="000000"/>
                     </a:solidFill>
@@ -11223,7 +11225,7 @@
               </a:ln>
               <a:extLst>
                 <a:ext uri="{91240B29-F687-4f45-9708-019B960494DF}">
-                  <a14:hiddenLine xmlns:a14="http://schemas.microsoft.com/office/drawing/2010/main" xmlns="" w="9525">
+                  <a14:hiddenLine xmlns="" xmlns:a14="http://schemas.microsoft.com/office/drawing/2010/main" w="9525">
                     <a:solidFill>
                       <a:srgbClr val="000000"/>
                     </a:solidFill>
@@ -11313,7 +11315,7 @@
               </a:ln>
               <a:extLst>
                 <a:ext uri="{91240B29-F687-4f45-9708-019B960494DF}">
-                  <a14:hiddenLine xmlns:a14="http://schemas.microsoft.com/office/drawing/2010/main" xmlns="" w="9525">
+                  <a14:hiddenLine xmlns="" xmlns:a14="http://schemas.microsoft.com/office/drawing/2010/main" w="9525">
                     <a:solidFill>
                       <a:srgbClr val="000000"/>
                     </a:solidFill>
@@ -11378,7 +11380,7 @@
               </a:ln>
               <a:extLst>
                 <a:ext uri="{91240B29-F687-4f45-9708-019B960494DF}">
-                  <a14:hiddenLine xmlns:a14="http://schemas.microsoft.com/office/drawing/2010/main" xmlns="" w="9525">
+                  <a14:hiddenLine xmlns="" xmlns:a14="http://schemas.microsoft.com/office/drawing/2010/main" w="9525">
                     <a:solidFill>
                       <a:srgbClr val="000000"/>
                     </a:solidFill>
@@ -11468,7 +11470,7 @@
               </a:ln>
               <a:extLst>
                 <a:ext uri="{91240B29-F687-4f45-9708-019B960494DF}">
-                  <a14:hiddenLine xmlns:a14="http://schemas.microsoft.com/office/drawing/2010/main" xmlns="" w="9525">
+                  <a14:hiddenLine xmlns="" xmlns:a14="http://schemas.microsoft.com/office/drawing/2010/main" w="9525">
                     <a:solidFill>
                       <a:srgbClr val="000000"/>
                     </a:solidFill>
@@ -11536,7 +11538,7 @@
               </a:ln>
               <a:extLst>
                 <a:ext uri="{91240B29-F687-4f45-9708-019B960494DF}">
-                  <a14:hiddenLine xmlns:a14="http://schemas.microsoft.com/office/drawing/2010/main" xmlns="" w="9525">
+                  <a14:hiddenLine xmlns="" xmlns:a14="http://schemas.microsoft.com/office/drawing/2010/main" w="9525">
                     <a:solidFill>
                       <a:srgbClr val="000000"/>
                     </a:solidFill>
@@ -11626,7 +11628,7 @@
               </a:ln>
               <a:extLst>
                 <a:ext uri="{91240B29-F687-4f45-9708-019B960494DF}">
-                  <a14:hiddenLine xmlns:a14="http://schemas.microsoft.com/office/drawing/2010/main" xmlns="" w="9525">
+                  <a14:hiddenLine xmlns="" xmlns:a14="http://schemas.microsoft.com/office/drawing/2010/main" w="9525">
                     <a:solidFill>
                       <a:srgbClr val="000000"/>
                     </a:solidFill>
@@ -11694,7 +11696,7 @@
               </a:ln>
               <a:extLst>
                 <a:ext uri="{91240B29-F687-4f45-9708-019B960494DF}">
-                  <a14:hiddenLine xmlns:a14="http://schemas.microsoft.com/office/drawing/2010/main" xmlns="" w="9525">
+                  <a14:hiddenLine xmlns="" xmlns:a14="http://schemas.microsoft.com/office/drawing/2010/main" w="9525">
                     <a:solidFill>
                       <a:srgbClr val="000000"/>
                     </a:solidFill>
@@ -11784,7 +11786,7 @@
               </a:ln>
               <a:extLst>
                 <a:ext uri="{91240B29-F687-4f45-9708-019B960494DF}">
-                  <a14:hiddenLine xmlns:a14="http://schemas.microsoft.com/office/drawing/2010/main" xmlns="" w="9525">
+                  <a14:hiddenLine xmlns="" xmlns:a14="http://schemas.microsoft.com/office/drawing/2010/main" w="9525">
                     <a:solidFill>
                       <a:srgbClr val="000000"/>
                     </a:solidFill>
@@ -11818,7 +11820,7 @@
               </a:ln>
               <a:extLst>
                 <a:ext uri="{91240B29-F687-4f45-9708-019B960494DF}">
-                  <a14:hiddenLine xmlns:a14="http://schemas.microsoft.com/office/drawing/2010/main" xmlns="" w="9525">
+                  <a14:hiddenLine xmlns="" xmlns:a14="http://schemas.microsoft.com/office/drawing/2010/main" w="9525">
                     <a:solidFill>
                       <a:srgbClr val="000000"/>
                     </a:solidFill>
@@ -11959,7 +11961,7 @@
             <a:fld id="{48A87A34-81AB-432B-8DAE-1953F412C126}" type="datetimeFigureOut">
               <a:rPr lang="en-US" dirty="0"/>
               <a:pPr/>
-              <a:t>10/1/2019</a:t>
+              <a:t>10/2/2019</a:t>
             </a:fld>
             <a:endParaRPr lang="en-US" dirty="0"/>
           </a:p>
@@ -13310,6 +13312,36 @@
           </a:p>
         </p:txBody>
       </p:sp>
+      <p:pic>
+        <p:nvPicPr>
+          <p:cNvPr id="4" name="Picture 3">
+            <a:extLst>
+              <a:ext uri="{FF2B5EF4-FFF2-40B4-BE49-F238E27FC236}">
+                <a16:creationId xmlns:a16="http://schemas.microsoft.com/office/drawing/2014/main" id="{3CEF6B8C-2DA8-4A45-8E22-A029920D69A1}"/>
+              </a:ext>
+            </a:extLst>
+          </p:cNvPr>
+          <p:cNvPicPr>
+            <a:picLocks noChangeAspect="1"/>
+          </p:cNvPicPr>
+          <p:nvPr/>
+        </p:nvPicPr>
+        <p:blipFill>
+          <a:blip r:embed="rId2"/>
+          <a:stretch>
+            <a:fillRect/>
+          </a:stretch>
+        </p:blipFill>
+        <p:spPr>
+          <a:xfrm>
+            <a:off x="1680277" y="3629739"/>
+            <a:ext cx="8828267" cy="3044230"/>
+          </a:xfrm>
+          <a:prstGeom prst="rect">
+            <a:avLst/>
+          </a:prstGeom>
+        </p:spPr>
+      </p:pic>
     </p:spTree>
     <p:extLst>
       <p:ext uri="{BB962C8B-B14F-4D97-AF65-F5344CB8AC3E}">
@@ -14514,6 +14546,42 @@
             <a:pPr lvl="1"/>
             <a:r>
               <a:rPr lang="en-US" dirty="0"/>
+              <a:t>Local: </a:t>
+            </a:r>
+          </a:p>
+          <a:p>
+            <a:pPr lvl="2"/>
+            <a:r>
+              <a:rPr lang="en-US" dirty="0"/>
+              <a:t>switch to the branch you want to merge to</a:t>
+            </a:r>
+          </a:p>
+          <a:p>
+            <a:pPr lvl="2"/>
+            <a:r>
+              <a:rPr lang="en-US" dirty="0"/>
+              <a:t>‘git merge &lt;</a:t>
+            </a:r>
+            <a:r>
+              <a:rPr lang="en-US" dirty="0" err="1"/>
+              <a:t>branch_to_merge</a:t>
+            </a:r>
+            <a:r>
+              <a:rPr lang="en-US" dirty="0"/>
+              <a:t>&gt;’</a:t>
+            </a:r>
+          </a:p>
+          <a:p>
+            <a:pPr lvl="1"/>
+            <a:r>
+              <a:rPr lang="en-US" dirty="0"/>
+              <a:t>Remote Repo: </a:t>
+            </a:r>
+          </a:p>
+          <a:p>
+            <a:pPr lvl="2"/>
+            <a:r>
+              <a:rPr lang="en-US" dirty="0"/>
               <a:t>‘git push &lt;alias&gt; &lt;</a:t>
             </a:r>
             <a:r>
@@ -14531,6 +14599,103 @@
     <p:extLst>
       <p:ext uri="{BB962C8B-B14F-4D97-AF65-F5344CB8AC3E}">
         <p14:creationId xmlns:p14="http://schemas.microsoft.com/office/powerpoint/2010/main" val="2444424653"/>
+      </p:ext>
+    </p:extLst>
+  </p:cSld>
+  <p:clrMapOvr>
+    <a:masterClrMapping/>
+  </p:clrMapOvr>
+</p:sld>
+</file>
+
+<file path=ppt/slides/slide29.xml><?xml version="1.0" encoding="utf-8"?>
+<p:sld xmlns:a="http://schemas.openxmlformats.org/drawingml/2006/main" xmlns:r="http://schemas.openxmlformats.org/officeDocument/2006/relationships" xmlns:p="http://schemas.openxmlformats.org/presentationml/2006/main">
+  <p:cSld>
+    <p:spTree>
+      <p:nvGrpSpPr>
+        <p:cNvPr id="1" name=""/>
+        <p:cNvGrpSpPr/>
+        <p:nvPr/>
+      </p:nvGrpSpPr>
+      <p:grpSpPr>
+        <a:xfrm>
+          <a:off x="0" y="0"/>
+          <a:ext cx="0" cy="0"/>
+          <a:chOff x="0" y="0"/>
+          <a:chExt cx="0" cy="0"/>
+        </a:xfrm>
+      </p:grpSpPr>
+      <p:sp>
+        <p:nvSpPr>
+          <p:cNvPr id="2" name="Title 1">
+            <a:extLst>
+              <a:ext uri="{FF2B5EF4-FFF2-40B4-BE49-F238E27FC236}">
+                <a16:creationId xmlns:a16="http://schemas.microsoft.com/office/drawing/2014/main" id="{0DD82C84-092D-400E-8261-D507A95F52FE}"/>
+              </a:ext>
+            </a:extLst>
+          </p:cNvPr>
+          <p:cNvSpPr>
+            <a:spLocks noGrp="1"/>
+          </p:cNvSpPr>
+          <p:nvPr>
+            <p:ph type="title"/>
+          </p:nvPr>
+        </p:nvSpPr>
+        <p:spPr/>
+        <p:txBody>
+          <a:bodyPr/>
+          <a:lstStyle/>
+          <a:p>
+            <a:r>
+              <a:rPr lang="en-US" dirty="0"/>
+              <a:t>Updating the Master Branch</a:t>
+            </a:r>
+          </a:p>
+        </p:txBody>
+      </p:sp>
+      <p:sp>
+        <p:nvSpPr>
+          <p:cNvPr id="3" name="Content Placeholder 2">
+            <a:extLst>
+              <a:ext uri="{FF2B5EF4-FFF2-40B4-BE49-F238E27FC236}">
+                <a16:creationId xmlns:a16="http://schemas.microsoft.com/office/drawing/2014/main" id="{1C697DC7-E06A-41D8-AF9E-A9D60FB4D6D9}"/>
+              </a:ext>
+            </a:extLst>
+          </p:cNvPr>
+          <p:cNvSpPr>
+            <a:spLocks noGrp="1"/>
+          </p:cNvSpPr>
+          <p:nvPr>
+            <p:ph idx="1"/>
+          </p:nvPr>
+        </p:nvSpPr>
+        <p:spPr/>
+        <p:txBody>
+          <a:bodyPr/>
+          <a:lstStyle/>
+          <a:p>
+            <a:r>
+              <a:rPr lang="en-US" dirty="0"/>
+              <a:t>Merging Remote Branch</a:t>
+            </a:r>
+          </a:p>
+          <a:p>
+            <a:pPr lvl="1"/>
+            <a:r>
+              <a:rPr lang="en-US" dirty="0"/>
+              <a:t>Add and commit files to local branch</a:t>
+            </a:r>
+          </a:p>
+          <a:p>
+            <a:pPr lvl="1"/>
+            <a:endParaRPr lang="en-US" dirty="0"/>
+          </a:p>
+        </p:txBody>
+      </p:sp>
+    </p:spTree>
+    <p:extLst>
+      <p:ext uri="{BB962C8B-B14F-4D97-AF65-F5344CB8AC3E}">
+        <p14:creationId xmlns:p14="http://schemas.microsoft.com/office/powerpoint/2010/main" val="963816948"/>
       </p:ext>
     </p:extLst>
   </p:cSld>
@@ -14638,6 +14803,100 @@
     <p:extLst>
       <p:ext uri="{BB962C8B-B14F-4D97-AF65-F5344CB8AC3E}">
         <p14:creationId xmlns:p14="http://schemas.microsoft.com/office/powerpoint/2010/main" val="3740517897"/>
+      </p:ext>
+    </p:extLst>
+  </p:cSld>
+  <p:clrMapOvr>
+    <a:masterClrMapping/>
+  </p:clrMapOvr>
+</p:sld>
+</file>
+
+<file path=ppt/slides/slide30.xml><?xml version="1.0" encoding="utf-8"?>
+<p:sld xmlns:a="http://schemas.openxmlformats.org/drawingml/2006/main" xmlns:r="http://schemas.openxmlformats.org/officeDocument/2006/relationships" xmlns:p="http://schemas.openxmlformats.org/presentationml/2006/main">
+  <p:cSld>
+    <p:spTree>
+      <p:nvGrpSpPr>
+        <p:cNvPr id="1" name=""/>
+        <p:cNvGrpSpPr/>
+        <p:nvPr/>
+      </p:nvGrpSpPr>
+      <p:grpSpPr>
+        <a:xfrm>
+          <a:off x="0" y="0"/>
+          <a:ext cx="0" cy="0"/>
+          <a:chOff x="0" y="0"/>
+          <a:chExt cx="0" cy="0"/>
+        </a:xfrm>
+      </p:grpSpPr>
+      <p:sp>
+        <p:nvSpPr>
+          <p:cNvPr id="2" name="Title 1">
+            <a:extLst>
+              <a:ext uri="{FF2B5EF4-FFF2-40B4-BE49-F238E27FC236}">
+                <a16:creationId xmlns:a16="http://schemas.microsoft.com/office/drawing/2014/main" id="{0DD82C84-092D-400E-8261-D507A95F52FE}"/>
+              </a:ext>
+            </a:extLst>
+          </p:cNvPr>
+          <p:cNvSpPr>
+            <a:spLocks noGrp="1"/>
+          </p:cNvSpPr>
+          <p:nvPr>
+            <p:ph type="title"/>
+          </p:nvPr>
+        </p:nvSpPr>
+        <p:spPr/>
+        <p:txBody>
+          <a:bodyPr/>
+          <a:lstStyle/>
+          <a:p>
+            <a:r>
+              <a:rPr lang="en-US" dirty="0"/>
+              <a:t>Useful Commands</a:t>
+            </a:r>
+          </a:p>
+        </p:txBody>
+      </p:sp>
+      <p:sp>
+        <p:nvSpPr>
+          <p:cNvPr id="3" name="Content Placeholder 2">
+            <a:extLst>
+              <a:ext uri="{FF2B5EF4-FFF2-40B4-BE49-F238E27FC236}">
+                <a16:creationId xmlns:a16="http://schemas.microsoft.com/office/drawing/2014/main" id="{1C697DC7-E06A-41D8-AF9E-A9D60FB4D6D9}"/>
+              </a:ext>
+            </a:extLst>
+          </p:cNvPr>
+          <p:cNvSpPr>
+            <a:spLocks noGrp="1"/>
+          </p:cNvSpPr>
+          <p:nvPr>
+            <p:ph idx="1"/>
+          </p:nvPr>
+        </p:nvSpPr>
+        <p:spPr/>
+        <p:txBody>
+          <a:bodyPr/>
+          <a:lstStyle/>
+          <a:p>
+            <a:r>
+              <a:rPr lang="en-US" dirty="0"/>
+              <a:t>Get files in a branch: ‘git ls-tree -r --name-only &lt;</a:t>
+            </a:r>
+            <a:r>
+              <a:rPr lang="en-US" dirty="0" err="1"/>
+              <a:t>name_of_branch</a:t>
+            </a:r>
+            <a:r>
+              <a:rPr lang="en-US" dirty="0"/>
+              <a:t>&gt;’</a:t>
+            </a:r>
+          </a:p>
+        </p:txBody>
+      </p:sp>
+    </p:spTree>
+    <p:extLst>
+      <p:ext uri="{BB962C8B-B14F-4D97-AF65-F5344CB8AC3E}">
+        <p14:creationId xmlns:p14="http://schemas.microsoft.com/office/powerpoint/2010/main" val="3430056922"/>
       </p:ext>
     </p:extLst>
   </p:cSld>
@@ -14821,12 +15080,8 @@
           <a:p>
             <a:pPr lvl="1"/>
             <a:r>
-              <a:rPr lang="en-US"/>
-              <a:t>Branch - A </a:t>
-            </a:r>
-            <a:r>
               <a:rPr lang="en-US" dirty="0"/>
-              <a:t>copy of the current codebase commit, made to add changes</a:t>
+              <a:t>Branch - A copy of the current codebase commit, made to add changes</a:t>
             </a:r>
           </a:p>
           <a:p>

--- a/Git Tutorial/Git Tutorial.pptx
+++ b/Git Tutorial/Git Tutorial.pptx
@@ -34,7 +34,8 @@
     <p:sldId id="272" r:id="rId28"/>
     <p:sldId id="270" r:id="rId29"/>
     <p:sldId id="286" r:id="rId30"/>
-    <p:sldId id="285" r:id="rId31"/>
+    <p:sldId id="287" r:id="rId31"/>
+    <p:sldId id="285" r:id="rId32"/>
   </p:sldIdLst>
   <p:sldSz cx="12192000" cy="6858000"/>
   <p:notesSz cx="6858000" cy="9144000"/>
@@ -14688,6 +14689,28 @@
           </a:p>
           <a:p>
             <a:pPr lvl="1"/>
+            <a:r>
+              <a:rPr lang="en-US" dirty="0"/>
+              <a:t>Then push to the remote repo:</a:t>
+            </a:r>
+          </a:p>
+          <a:p>
+            <a:pPr lvl="2"/>
+            <a:r>
+              <a:rPr lang="en-US" dirty="0"/>
+              <a:t>‘git push origin &lt;</a:t>
+            </a:r>
+            <a:r>
+              <a:rPr lang="en-US" dirty="0" err="1"/>
+              <a:t>branch_to_push_to</a:t>
+            </a:r>
+            <a:r>
+              <a:rPr lang="en-US" dirty="0"/>
+              <a:t>&gt;’</a:t>
+            </a:r>
+          </a:p>
+          <a:p>
+            <a:pPr lvl="1"/>
             <a:endParaRPr lang="en-US" dirty="0"/>
           </a:p>
         </p:txBody>
@@ -14813,6 +14836,128 @@
 </file>
 
 <file path=ppt/slides/slide30.xml><?xml version="1.0" encoding="utf-8"?>
+<p:sld xmlns:a="http://schemas.openxmlformats.org/drawingml/2006/main" xmlns:r="http://schemas.openxmlformats.org/officeDocument/2006/relationships" xmlns:p="http://schemas.openxmlformats.org/presentationml/2006/main">
+  <p:cSld>
+    <p:spTree>
+      <p:nvGrpSpPr>
+        <p:cNvPr id="1" name=""/>
+        <p:cNvGrpSpPr/>
+        <p:nvPr/>
+      </p:nvGrpSpPr>
+      <p:grpSpPr>
+        <a:xfrm>
+          <a:off x="0" y="0"/>
+          <a:ext cx="0" cy="0"/>
+          <a:chOff x="0" y="0"/>
+          <a:chExt cx="0" cy="0"/>
+        </a:xfrm>
+      </p:grpSpPr>
+      <p:sp>
+        <p:nvSpPr>
+          <p:cNvPr id="2" name="Title 1">
+            <a:extLst>
+              <a:ext uri="{FF2B5EF4-FFF2-40B4-BE49-F238E27FC236}">
+                <a16:creationId xmlns:a16="http://schemas.microsoft.com/office/drawing/2014/main" id="{0DD82C84-092D-400E-8261-D507A95F52FE}"/>
+              </a:ext>
+            </a:extLst>
+          </p:cNvPr>
+          <p:cNvSpPr>
+            <a:spLocks noGrp="1"/>
+          </p:cNvSpPr>
+          <p:nvPr>
+            <p:ph type="title"/>
+          </p:nvPr>
+        </p:nvSpPr>
+        <p:spPr/>
+        <p:txBody>
+          <a:bodyPr/>
+          <a:lstStyle/>
+          <a:p>
+            <a:r>
+              <a:rPr lang="en-US" dirty="0"/>
+              <a:t>Updating the Master Branch</a:t>
+            </a:r>
+          </a:p>
+        </p:txBody>
+      </p:sp>
+      <p:sp>
+        <p:nvSpPr>
+          <p:cNvPr id="3" name="Content Placeholder 2">
+            <a:extLst>
+              <a:ext uri="{FF2B5EF4-FFF2-40B4-BE49-F238E27FC236}">
+                <a16:creationId xmlns:a16="http://schemas.microsoft.com/office/drawing/2014/main" id="{1C697DC7-E06A-41D8-AF9E-A9D60FB4D6D9}"/>
+              </a:ext>
+            </a:extLst>
+          </p:cNvPr>
+          <p:cNvSpPr>
+            <a:spLocks noGrp="1"/>
+          </p:cNvSpPr>
+          <p:nvPr>
+            <p:ph idx="1"/>
+          </p:nvPr>
+        </p:nvSpPr>
+        <p:spPr/>
+        <p:txBody>
+          <a:bodyPr/>
+          <a:lstStyle/>
+          <a:p>
+            <a:r>
+              <a:rPr lang="en-US" dirty="0"/>
+              <a:t>Merging Remote Branch</a:t>
+            </a:r>
+          </a:p>
+          <a:p>
+            <a:pPr marL="457200" lvl="1" indent="0">
+              <a:buNone/>
+            </a:pPr>
+            <a:endParaRPr lang="en-US" dirty="0"/>
+          </a:p>
+        </p:txBody>
+      </p:sp>
+      <p:pic>
+        <p:nvPicPr>
+          <p:cNvPr id="4" name="Picture 3">
+            <a:extLst>
+              <a:ext uri="{FF2B5EF4-FFF2-40B4-BE49-F238E27FC236}">
+                <a16:creationId xmlns:a16="http://schemas.microsoft.com/office/drawing/2014/main" id="{404ED49F-F3DE-47FF-9633-3E9824F808F1}"/>
+              </a:ext>
+            </a:extLst>
+          </p:cNvPr>
+          <p:cNvPicPr>
+            <a:picLocks noChangeAspect="1"/>
+          </p:cNvPicPr>
+          <p:nvPr/>
+        </p:nvPicPr>
+        <p:blipFill>
+          <a:blip r:embed="rId2"/>
+          <a:stretch>
+            <a:fillRect/>
+          </a:stretch>
+        </p:blipFill>
+        <p:spPr>
+          <a:xfrm>
+            <a:off x="4664015" y="1946823"/>
+            <a:ext cx="7350586" cy="4727145"/>
+          </a:xfrm>
+          <a:prstGeom prst="rect">
+            <a:avLst/>
+          </a:prstGeom>
+        </p:spPr>
+      </p:pic>
+    </p:spTree>
+    <p:extLst>
+      <p:ext uri="{BB962C8B-B14F-4D97-AF65-F5344CB8AC3E}">
+        <p14:creationId xmlns:p14="http://schemas.microsoft.com/office/powerpoint/2010/main" val="1907511367"/>
+      </p:ext>
+    </p:extLst>
+  </p:cSld>
+  <p:clrMapOvr>
+    <a:masterClrMapping/>
+  </p:clrMapOvr>
+</p:sld>
+</file>
+
+<file path=ppt/slides/slide31.xml><?xml version="1.0" encoding="utf-8"?>
 <p:sld xmlns:a="http://schemas.openxmlformats.org/drawingml/2006/main" xmlns:r="http://schemas.openxmlformats.org/officeDocument/2006/relationships" xmlns:p="http://schemas.openxmlformats.org/presentationml/2006/main">
   <p:cSld>
     <p:spTree>

--- a/Git Tutorial/Git Tutorial.pptx
+++ b/Git Tutorial/Git Tutorial.pptx
@@ -36,6 +36,7 @@
     <p:sldId id="286" r:id="rId30"/>
     <p:sldId id="287" r:id="rId31"/>
     <p:sldId id="285" r:id="rId32"/>
+    <p:sldId id="288" r:id="rId33"/>
   </p:sldIdLst>
   <p:sldSz cx="12192000" cy="6858000"/>
   <p:notesSz cx="6858000" cy="9144000"/>
@@ -192,7 +193,7 @@
           <a:noFill/>
           <a:extLst>
             <a:ext uri="{909E8E84-426E-40dd-AFC4-6F175D3DCCD1}">
-              <a14:hiddenFill xmlns="" xmlns:a14="http://schemas.microsoft.com/office/drawing/2010/main">
+              <a14:hiddenFill xmlns:a14="http://schemas.microsoft.com/office/drawing/2010/main" xmlns="">
                 <a:solidFill>
                   <a:srgbClr val="FFFFFF"/>
                 </a:solidFill>
@@ -252,7 +253,7 @@
             </a:ln>
             <a:extLst>
               <a:ext uri="{91240B29-F687-4f45-9708-019B960494DF}">
-                <a14:hiddenLine xmlns="" xmlns:a14="http://schemas.microsoft.com/office/drawing/2010/main" w="9525">
+                <a14:hiddenLine xmlns:a14="http://schemas.microsoft.com/office/drawing/2010/main" xmlns="" w="9525">
                   <a:solidFill>
                     <a:srgbClr val="000000"/>
                   </a:solidFill>
@@ -342,7 +343,7 @@
             </a:ln>
             <a:extLst>
               <a:ext uri="{91240B29-F687-4f45-9708-019B960494DF}">
-                <a14:hiddenLine xmlns="" xmlns:a14="http://schemas.microsoft.com/office/drawing/2010/main" w="9525">
+                <a14:hiddenLine xmlns:a14="http://schemas.microsoft.com/office/drawing/2010/main" xmlns="" w="9525">
                   <a:solidFill>
                     <a:srgbClr val="000000"/>
                   </a:solidFill>
@@ -432,7 +433,7 @@
             </a:ln>
             <a:extLst>
               <a:ext uri="{91240B29-F687-4f45-9708-019B960494DF}">
-                <a14:hiddenLine xmlns="" xmlns:a14="http://schemas.microsoft.com/office/drawing/2010/main" w="9525">
+                <a14:hiddenLine xmlns:a14="http://schemas.microsoft.com/office/drawing/2010/main" xmlns="" w="9525">
                   <a:solidFill>
                     <a:srgbClr val="000000"/>
                   </a:solidFill>
@@ -466,7 +467,7 @@
             </a:ln>
             <a:extLst>
               <a:ext uri="{91240B29-F687-4f45-9708-019B960494DF}">
-                <a14:hiddenLine xmlns="" xmlns:a14="http://schemas.microsoft.com/office/drawing/2010/main" w="9525">
+                <a14:hiddenLine xmlns:a14="http://schemas.microsoft.com/office/drawing/2010/main" xmlns="" w="9525">
                   <a:solidFill>
                     <a:srgbClr val="000000"/>
                   </a:solidFill>
@@ -556,7 +557,7 @@
             </a:ln>
             <a:extLst>
               <a:ext uri="{91240B29-F687-4f45-9708-019B960494DF}">
-                <a14:hiddenLine xmlns="" xmlns:a14="http://schemas.microsoft.com/office/drawing/2010/main" w="9525">
+                <a14:hiddenLine xmlns:a14="http://schemas.microsoft.com/office/drawing/2010/main" xmlns="" w="9525">
                   <a:solidFill>
                     <a:srgbClr val="000000"/>
                   </a:solidFill>
@@ -618,7 +619,7 @@
             </a:ln>
             <a:extLst>
               <a:ext uri="{91240B29-F687-4f45-9708-019B960494DF}">
-                <a14:hiddenLine xmlns="" xmlns:a14="http://schemas.microsoft.com/office/drawing/2010/main" w="9525">
+                <a14:hiddenLine xmlns:a14="http://schemas.microsoft.com/office/drawing/2010/main" xmlns="" w="9525">
                   <a:solidFill>
                     <a:srgbClr val="000000"/>
                   </a:solidFill>
@@ -680,7 +681,7 @@
             </a:ln>
             <a:extLst>
               <a:ext uri="{91240B29-F687-4f45-9708-019B960494DF}">
-                <a14:hiddenLine xmlns="" xmlns:a14="http://schemas.microsoft.com/office/drawing/2010/main" w="9525">
+                <a14:hiddenLine xmlns:a14="http://schemas.microsoft.com/office/drawing/2010/main" xmlns="" w="9525">
                   <a:solidFill>
                     <a:srgbClr val="000000"/>
                   </a:solidFill>
@@ -770,7 +771,7 @@
             </a:ln>
             <a:extLst>
               <a:ext uri="{91240B29-F687-4f45-9708-019B960494DF}">
-                <a14:hiddenLine xmlns="" xmlns:a14="http://schemas.microsoft.com/office/drawing/2010/main" w="9525">
+                <a14:hiddenLine xmlns:a14="http://schemas.microsoft.com/office/drawing/2010/main" xmlns="" w="9525">
                   <a:solidFill>
                     <a:srgbClr val="000000"/>
                   </a:solidFill>
@@ -832,7 +833,7 @@
             </a:ln>
             <a:extLst>
               <a:ext uri="{91240B29-F687-4f45-9708-019B960494DF}">
-                <a14:hiddenLine xmlns="" xmlns:a14="http://schemas.microsoft.com/office/drawing/2010/main" w="9525">
+                <a14:hiddenLine xmlns:a14="http://schemas.microsoft.com/office/drawing/2010/main" xmlns="" w="9525">
                   <a:solidFill>
                     <a:srgbClr val="000000"/>
                   </a:solidFill>
@@ -894,7 +895,7 @@
             </a:ln>
             <a:extLst>
               <a:ext uri="{91240B29-F687-4f45-9708-019B960494DF}">
-                <a14:hiddenLine xmlns="" xmlns:a14="http://schemas.microsoft.com/office/drawing/2010/main" w="9525">
+                <a14:hiddenLine xmlns:a14="http://schemas.microsoft.com/office/drawing/2010/main" xmlns="" w="9525">
                   <a:solidFill>
                     <a:srgbClr val="000000"/>
                   </a:solidFill>
@@ -984,7 +985,7 @@
             </a:ln>
             <a:extLst>
               <a:ext uri="{91240B29-F687-4f45-9708-019B960494DF}">
-                <a14:hiddenLine xmlns="" xmlns:a14="http://schemas.microsoft.com/office/drawing/2010/main" w="9525">
+                <a14:hiddenLine xmlns:a14="http://schemas.microsoft.com/office/drawing/2010/main" xmlns="" w="9525">
                   <a:solidFill>
                     <a:srgbClr val="000000"/>
                   </a:solidFill>
@@ -1074,7 +1075,7 @@
             </a:ln>
             <a:extLst>
               <a:ext uri="{91240B29-F687-4f45-9708-019B960494DF}">
-                <a14:hiddenLine xmlns="" xmlns:a14="http://schemas.microsoft.com/office/drawing/2010/main" w="9525">
+                <a14:hiddenLine xmlns:a14="http://schemas.microsoft.com/office/drawing/2010/main" xmlns="" w="9525">
                   <a:solidFill>
                     <a:srgbClr val="000000"/>
                   </a:solidFill>
@@ -1136,7 +1137,7 @@
             </a:ln>
             <a:extLst>
               <a:ext uri="{91240B29-F687-4f45-9708-019B960494DF}">
-                <a14:hiddenLine xmlns="" xmlns:a14="http://schemas.microsoft.com/office/drawing/2010/main" w="9525">
+                <a14:hiddenLine xmlns:a14="http://schemas.microsoft.com/office/drawing/2010/main" xmlns="" w="9525">
                   <a:solidFill>
                     <a:srgbClr val="000000"/>
                   </a:solidFill>
@@ -1246,7 +1247,7 @@
             </a:ln>
             <a:extLst>
               <a:ext uri="{91240B29-F687-4f45-9708-019B960494DF}">
-                <a14:hiddenLine xmlns="" xmlns:a14="http://schemas.microsoft.com/office/drawing/2010/main" w="9525">
+                <a14:hiddenLine xmlns:a14="http://schemas.microsoft.com/office/drawing/2010/main" xmlns="" w="9525">
                   <a:solidFill>
                     <a:srgbClr val="000000"/>
                   </a:solidFill>
@@ -1308,7 +1309,7 @@
             </a:ln>
             <a:extLst>
               <a:ext uri="{91240B29-F687-4f45-9708-019B960494DF}">
-                <a14:hiddenLine xmlns="" xmlns:a14="http://schemas.microsoft.com/office/drawing/2010/main" w="9525">
+                <a14:hiddenLine xmlns:a14="http://schemas.microsoft.com/office/drawing/2010/main" xmlns="" w="9525">
                   <a:solidFill>
                     <a:srgbClr val="000000"/>
                   </a:solidFill>
@@ -1398,7 +1399,7 @@
             </a:ln>
             <a:extLst>
               <a:ext uri="{91240B29-F687-4f45-9708-019B960494DF}">
-                <a14:hiddenLine xmlns="" xmlns:a14="http://schemas.microsoft.com/office/drawing/2010/main" w="9525">
+                <a14:hiddenLine xmlns:a14="http://schemas.microsoft.com/office/drawing/2010/main" xmlns="" w="9525">
                   <a:solidFill>
                     <a:srgbClr val="000000"/>
                   </a:solidFill>
@@ -1488,7 +1489,7 @@
             </a:ln>
             <a:extLst>
               <a:ext uri="{91240B29-F687-4f45-9708-019B960494DF}">
-                <a14:hiddenLine xmlns="" xmlns:a14="http://schemas.microsoft.com/office/drawing/2010/main" w="9525">
+                <a14:hiddenLine xmlns:a14="http://schemas.microsoft.com/office/drawing/2010/main" xmlns="" w="9525">
                   <a:solidFill>
                     <a:srgbClr val="000000"/>
                   </a:solidFill>
@@ -1550,7 +1551,7 @@
             </a:ln>
             <a:extLst>
               <a:ext uri="{91240B29-F687-4f45-9708-019B960494DF}">
-                <a14:hiddenLine xmlns="" xmlns:a14="http://schemas.microsoft.com/office/drawing/2010/main" w="9525">
+                <a14:hiddenLine xmlns:a14="http://schemas.microsoft.com/office/drawing/2010/main" xmlns="" w="9525">
                   <a:solidFill>
                     <a:srgbClr val="000000"/>
                   </a:solidFill>
@@ -1640,7 +1641,7 @@
             </a:ln>
             <a:extLst>
               <a:ext uri="{91240B29-F687-4f45-9708-019B960494DF}">
-                <a14:hiddenLine xmlns="" xmlns:a14="http://schemas.microsoft.com/office/drawing/2010/main" w="9525">
+                <a14:hiddenLine xmlns:a14="http://schemas.microsoft.com/office/drawing/2010/main" xmlns="" w="9525">
                   <a:solidFill>
                     <a:srgbClr val="000000"/>
                   </a:solidFill>
@@ -1730,7 +1731,7 @@
             </a:ln>
             <a:extLst>
               <a:ext uri="{91240B29-F687-4f45-9708-019B960494DF}">
-                <a14:hiddenLine xmlns="" xmlns:a14="http://schemas.microsoft.com/office/drawing/2010/main" w="9525">
+                <a14:hiddenLine xmlns:a14="http://schemas.microsoft.com/office/drawing/2010/main" xmlns="" w="9525">
                   <a:solidFill>
                     <a:srgbClr val="000000"/>
                   </a:solidFill>
@@ -1786,7 +1787,7 @@
             </a:ln>
             <a:extLst>
               <a:ext uri="{91240B29-F687-4f45-9708-019B960494DF}">
-                <a14:hiddenLine xmlns="" xmlns:a14="http://schemas.microsoft.com/office/drawing/2010/main" w="9525">
+                <a14:hiddenLine xmlns:a14="http://schemas.microsoft.com/office/drawing/2010/main" xmlns="" w="9525">
                   <a:solidFill>
                     <a:srgbClr val="000000"/>
                   </a:solidFill>
@@ -1876,7 +1877,7 @@
             </a:ln>
             <a:extLst>
               <a:ext uri="{91240B29-F687-4f45-9708-019B960494DF}">
-                <a14:hiddenLine xmlns="" xmlns:a14="http://schemas.microsoft.com/office/drawing/2010/main" w="9525">
+                <a14:hiddenLine xmlns:a14="http://schemas.microsoft.com/office/drawing/2010/main" xmlns="" w="9525">
                   <a:solidFill>
                     <a:srgbClr val="000000"/>
                   </a:solidFill>
@@ -1932,7 +1933,7 @@
             </a:ln>
             <a:extLst>
               <a:ext uri="{91240B29-F687-4f45-9708-019B960494DF}">
-                <a14:hiddenLine xmlns="" xmlns:a14="http://schemas.microsoft.com/office/drawing/2010/main" w="9525">
+                <a14:hiddenLine xmlns:a14="http://schemas.microsoft.com/office/drawing/2010/main" xmlns="" w="9525">
                   <a:solidFill>
                     <a:srgbClr val="000000"/>
                   </a:solidFill>
@@ -2022,7 +2023,7 @@
             </a:ln>
             <a:extLst>
               <a:ext uri="{91240B29-F687-4f45-9708-019B960494DF}">
-                <a14:hiddenLine xmlns="" xmlns:a14="http://schemas.microsoft.com/office/drawing/2010/main" w="9525">
+                <a14:hiddenLine xmlns:a14="http://schemas.microsoft.com/office/drawing/2010/main" xmlns="" w="9525">
                   <a:solidFill>
                     <a:srgbClr val="000000"/>
                   </a:solidFill>
@@ -2090,7 +2091,7 @@
             </a:ln>
             <a:extLst>
               <a:ext uri="{91240B29-F687-4f45-9708-019B960494DF}">
-                <a14:hiddenLine xmlns="" xmlns:a14="http://schemas.microsoft.com/office/drawing/2010/main" w="9525">
+                <a14:hiddenLine xmlns:a14="http://schemas.microsoft.com/office/drawing/2010/main" xmlns="" w="9525">
                   <a:solidFill>
                     <a:srgbClr val="000000"/>
                   </a:solidFill>
@@ -2180,7 +2181,7 @@
             </a:ln>
             <a:extLst>
               <a:ext uri="{91240B29-F687-4f45-9708-019B960494DF}">
-                <a14:hiddenLine xmlns="" xmlns:a14="http://schemas.microsoft.com/office/drawing/2010/main" w="9525">
+                <a14:hiddenLine xmlns:a14="http://schemas.microsoft.com/office/drawing/2010/main" xmlns="" w="9525">
                   <a:solidFill>
                     <a:srgbClr val="000000"/>
                   </a:solidFill>
@@ -2248,7 +2249,7 @@
             </a:ln>
             <a:extLst>
               <a:ext uri="{91240B29-F687-4f45-9708-019B960494DF}">
-                <a14:hiddenLine xmlns="" xmlns:a14="http://schemas.microsoft.com/office/drawing/2010/main" w="9525">
+                <a14:hiddenLine xmlns:a14="http://schemas.microsoft.com/office/drawing/2010/main" xmlns="" w="9525">
                   <a:solidFill>
                     <a:srgbClr val="000000"/>
                   </a:solidFill>
@@ -2338,7 +2339,7 @@
             </a:ln>
             <a:extLst>
               <a:ext uri="{91240B29-F687-4f45-9708-019B960494DF}">
-                <a14:hiddenLine xmlns="" xmlns:a14="http://schemas.microsoft.com/office/drawing/2010/main" w="9525">
+                <a14:hiddenLine xmlns:a14="http://schemas.microsoft.com/office/drawing/2010/main" xmlns="" w="9525">
                   <a:solidFill>
                     <a:srgbClr val="000000"/>
                   </a:solidFill>
@@ -2372,7 +2373,7 @@
             </a:ln>
             <a:extLst>
               <a:ext uri="{91240B29-F687-4f45-9708-019B960494DF}">
-                <a14:hiddenLine xmlns="" xmlns:a14="http://schemas.microsoft.com/office/drawing/2010/main" w="9525">
+                <a14:hiddenLine xmlns:a14="http://schemas.microsoft.com/office/drawing/2010/main" xmlns="" w="9525">
                   <a:solidFill>
                     <a:srgbClr val="000000"/>
                   </a:solidFill>
@@ -2462,7 +2463,7 @@
             </a:ln>
             <a:extLst>
               <a:ext uri="{91240B29-F687-4f45-9708-019B960494DF}">
-                <a14:hiddenLine xmlns="" xmlns:a14="http://schemas.microsoft.com/office/drawing/2010/main" w="9525">
+                <a14:hiddenLine xmlns:a14="http://schemas.microsoft.com/office/drawing/2010/main" xmlns="" w="9525">
                   <a:solidFill>
                     <a:srgbClr val="000000"/>
                   </a:solidFill>
@@ -2524,7 +2525,7 @@
             </a:ln>
             <a:extLst>
               <a:ext uri="{91240B29-F687-4f45-9708-019B960494DF}">
-                <a14:hiddenLine xmlns="" xmlns:a14="http://schemas.microsoft.com/office/drawing/2010/main" w="9525">
+                <a14:hiddenLine xmlns:a14="http://schemas.microsoft.com/office/drawing/2010/main" xmlns="" w="9525">
                   <a:solidFill>
                     <a:srgbClr val="000000"/>
                   </a:solidFill>
@@ -2586,7 +2587,7 @@
             </a:ln>
             <a:extLst>
               <a:ext uri="{91240B29-F687-4f45-9708-019B960494DF}">
-                <a14:hiddenLine xmlns="" xmlns:a14="http://schemas.microsoft.com/office/drawing/2010/main" w="9525">
+                <a14:hiddenLine xmlns:a14="http://schemas.microsoft.com/office/drawing/2010/main" xmlns="" w="9525">
                   <a:solidFill>
                     <a:srgbClr val="000000"/>
                   </a:solidFill>
@@ -2676,7 +2677,7 @@
             </a:ln>
             <a:extLst>
               <a:ext uri="{91240B29-F687-4f45-9708-019B960494DF}">
-                <a14:hiddenLine xmlns="" xmlns:a14="http://schemas.microsoft.com/office/drawing/2010/main" w="9525">
+                <a14:hiddenLine xmlns:a14="http://schemas.microsoft.com/office/drawing/2010/main" xmlns="" w="9525">
                   <a:solidFill>
                     <a:srgbClr val="000000"/>
                   </a:solidFill>
@@ -2744,7 +2745,7 @@
             </a:ln>
             <a:extLst>
               <a:ext uri="{91240B29-F687-4f45-9708-019B960494DF}">
-                <a14:hiddenLine xmlns="" xmlns:a14="http://schemas.microsoft.com/office/drawing/2010/main" w="9525">
+                <a14:hiddenLine xmlns:a14="http://schemas.microsoft.com/office/drawing/2010/main" xmlns="" w="9525">
                   <a:solidFill>
                     <a:srgbClr val="000000"/>
                   </a:solidFill>
@@ -2806,7 +2807,7 @@
             </a:ln>
             <a:extLst>
               <a:ext uri="{91240B29-F687-4f45-9708-019B960494DF}">
-                <a14:hiddenLine xmlns="" xmlns:a14="http://schemas.microsoft.com/office/drawing/2010/main" w="9525">
+                <a14:hiddenLine xmlns:a14="http://schemas.microsoft.com/office/drawing/2010/main" xmlns="" w="9525">
                   <a:solidFill>
                     <a:srgbClr val="000000"/>
                   </a:solidFill>
@@ -2896,7 +2897,7 @@
             </a:ln>
             <a:extLst>
               <a:ext uri="{91240B29-F687-4f45-9708-019B960494DF}">
-                <a14:hiddenLine xmlns="" xmlns:a14="http://schemas.microsoft.com/office/drawing/2010/main" w="9525">
+                <a14:hiddenLine xmlns:a14="http://schemas.microsoft.com/office/drawing/2010/main" xmlns="" w="9525">
                   <a:solidFill>
                     <a:srgbClr val="000000"/>
                   </a:solidFill>
@@ -2958,7 +2959,7 @@
             </a:ln>
             <a:extLst>
               <a:ext uri="{91240B29-F687-4f45-9708-019B960494DF}">
-                <a14:hiddenLine xmlns="" xmlns:a14="http://schemas.microsoft.com/office/drawing/2010/main" w="9525">
+                <a14:hiddenLine xmlns:a14="http://schemas.microsoft.com/office/drawing/2010/main" xmlns="" w="9525">
                   <a:solidFill>
                     <a:srgbClr val="000000"/>
                   </a:solidFill>
@@ -3048,7 +3049,7 @@
             </a:ln>
             <a:extLst>
               <a:ext uri="{91240B29-F687-4f45-9708-019B960494DF}">
-                <a14:hiddenLine xmlns="" xmlns:a14="http://schemas.microsoft.com/office/drawing/2010/main" w="9525">
+                <a14:hiddenLine xmlns:a14="http://schemas.microsoft.com/office/drawing/2010/main" xmlns="" w="9525">
                   <a:solidFill>
                     <a:srgbClr val="000000"/>
                   </a:solidFill>
@@ -3110,7 +3111,7 @@
             </a:ln>
             <a:extLst>
               <a:ext uri="{91240B29-F687-4f45-9708-019B960494DF}">
-                <a14:hiddenLine xmlns="" xmlns:a14="http://schemas.microsoft.com/office/drawing/2010/main" w="9525">
+                <a14:hiddenLine xmlns:a14="http://schemas.microsoft.com/office/drawing/2010/main" xmlns="" w="9525">
                   <a:solidFill>
                     <a:srgbClr val="000000"/>
                   </a:solidFill>
@@ -3200,7 +3201,7 @@
             </a:ln>
             <a:extLst>
               <a:ext uri="{91240B29-F687-4f45-9708-019B960494DF}">
-                <a14:hiddenLine xmlns="" xmlns:a14="http://schemas.microsoft.com/office/drawing/2010/main" w="9525">
+                <a14:hiddenLine xmlns:a14="http://schemas.microsoft.com/office/drawing/2010/main" xmlns="" w="9525">
                   <a:solidFill>
                     <a:srgbClr val="000000"/>
                   </a:solidFill>
@@ -3234,7 +3235,7 @@
             </a:ln>
             <a:extLst>
               <a:ext uri="{91240B29-F687-4f45-9708-019B960494DF}">
-                <a14:hiddenLine xmlns="" xmlns:a14="http://schemas.microsoft.com/office/drawing/2010/main" w="9525">
+                <a14:hiddenLine xmlns:a14="http://schemas.microsoft.com/office/drawing/2010/main" xmlns="" w="9525">
                   <a:solidFill>
                     <a:srgbClr val="000000"/>
                   </a:solidFill>
@@ -3299,7 +3300,7 @@
             </a:ln>
             <a:extLst>
               <a:ext uri="{91240B29-F687-4f45-9708-019B960494DF}">
-                <a14:hiddenLine xmlns="" xmlns:a14="http://schemas.microsoft.com/office/drawing/2010/main" w="9525">
+                <a14:hiddenLine xmlns:a14="http://schemas.microsoft.com/office/drawing/2010/main" xmlns="" w="9525">
                   <a:solidFill>
                     <a:srgbClr val="000000"/>
                   </a:solidFill>
@@ -3389,7 +3390,7 @@
             </a:ln>
             <a:extLst>
               <a:ext uri="{91240B29-F687-4f45-9708-019B960494DF}">
-                <a14:hiddenLine xmlns="" xmlns:a14="http://schemas.microsoft.com/office/drawing/2010/main" w="9525">
+                <a14:hiddenLine xmlns:a14="http://schemas.microsoft.com/office/drawing/2010/main" xmlns="" w="9525">
                   <a:solidFill>
                     <a:srgbClr val="000000"/>
                   </a:solidFill>
@@ -3451,7 +3452,7 @@
             </a:ln>
             <a:extLst>
               <a:ext uri="{91240B29-F687-4f45-9708-019B960494DF}">
-                <a14:hiddenLine xmlns="" xmlns:a14="http://schemas.microsoft.com/office/drawing/2010/main" w="9525">
+                <a14:hiddenLine xmlns:a14="http://schemas.microsoft.com/office/drawing/2010/main" xmlns="" w="9525">
                   <a:solidFill>
                     <a:srgbClr val="000000"/>
                   </a:solidFill>
@@ -3541,7 +3542,7 @@
             </a:ln>
             <a:extLst>
               <a:ext uri="{91240B29-F687-4f45-9708-019B960494DF}">
-                <a14:hiddenLine xmlns="" xmlns:a14="http://schemas.microsoft.com/office/drawing/2010/main" w="9525">
+                <a14:hiddenLine xmlns:a14="http://schemas.microsoft.com/office/drawing/2010/main" xmlns="" w="9525">
                   <a:solidFill>
                     <a:srgbClr val="000000"/>
                   </a:solidFill>
@@ -3631,7 +3632,7 @@
             </a:ln>
             <a:extLst>
               <a:ext uri="{91240B29-F687-4f45-9708-019B960494DF}">
-                <a14:hiddenLine xmlns="" xmlns:a14="http://schemas.microsoft.com/office/drawing/2010/main" w="9525">
+                <a14:hiddenLine xmlns:a14="http://schemas.microsoft.com/office/drawing/2010/main" xmlns="" w="9525">
                   <a:solidFill>
                     <a:srgbClr val="000000"/>
                   </a:solidFill>
@@ -3696,7 +3697,7 @@
             </a:ln>
             <a:extLst>
               <a:ext uri="{91240B29-F687-4f45-9708-019B960494DF}">
-                <a14:hiddenLine xmlns="" xmlns:a14="http://schemas.microsoft.com/office/drawing/2010/main" w="9525">
+                <a14:hiddenLine xmlns:a14="http://schemas.microsoft.com/office/drawing/2010/main" xmlns="" w="9525">
                   <a:solidFill>
                     <a:srgbClr val="000000"/>
                   </a:solidFill>
@@ -3758,7 +3759,7 @@
             </a:ln>
             <a:extLst>
               <a:ext uri="{91240B29-F687-4f45-9708-019B960494DF}">
-                <a14:hiddenLine xmlns="" xmlns:a14="http://schemas.microsoft.com/office/drawing/2010/main" w="9525">
+                <a14:hiddenLine xmlns:a14="http://schemas.microsoft.com/office/drawing/2010/main" xmlns="" w="9525">
                   <a:solidFill>
                     <a:srgbClr val="000000"/>
                   </a:solidFill>
@@ -3848,7 +3849,7 @@
             </a:ln>
             <a:extLst>
               <a:ext uri="{91240B29-F687-4f45-9708-019B960494DF}">
-                <a14:hiddenLine xmlns="" xmlns:a14="http://schemas.microsoft.com/office/drawing/2010/main" w="9525">
+                <a14:hiddenLine xmlns:a14="http://schemas.microsoft.com/office/drawing/2010/main" xmlns="" w="9525">
                   <a:solidFill>
                     <a:srgbClr val="000000"/>
                   </a:solidFill>
@@ -3938,7 +3939,7 @@
             </a:ln>
             <a:extLst>
               <a:ext uri="{91240B29-F687-4f45-9708-019B960494DF}">
-                <a14:hiddenLine xmlns="" xmlns:a14="http://schemas.microsoft.com/office/drawing/2010/main" w="9525">
+                <a14:hiddenLine xmlns:a14="http://schemas.microsoft.com/office/drawing/2010/main" xmlns="" w="9525">
                   <a:solidFill>
                     <a:srgbClr val="000000"/>
                   </a:solidFill>
@@ -4000,7 +4001,7 @@
             </a:ln>
             <a:extLst>
               <a:ext uri="{91240B29-F687-4f45-9708-019B960494DF}">
-                <a14:hiddenLine xmlns="" xmlns:a14="http://schemas.microsoft.com/office/drawing/2010/main" w="9525">
+                <a14:hiddenLine xmlns:a14="http://schemas.microsoft.com/office/drawing/2010/main" xmlns="" w="9525">
                   <a:solidFill>
                     <a:srgbClr val="000000"/>
                   </a:solidFill>
@@ -4120,7 +4121,7 @@
             </a:ln>
             <a:extLst>
               <a:ext uri="{91240B29-F687-4f45-9708-019B960494DF}">
-                <a14:hiddenLine xmlns="" xmlns:a14="http://schemas.microsoft.com/office/drawing/2010/main" w="9525">
+                <a14:hiddenLine xmlns:a14="http://schemas.microsoft.com/office/drawing/2010/main" xmlns="" w="9525">
                   <a:solidFill>
                     <a:srgbClr val="000000"/>
                   </a:solidFill>
@@ -4188,7 +4189,7 @@
             </a:ln>
             <a:extLst>
               <a:ext uri="{91240B29-F687-4f45-9708-019B960494DF}">
-                <a14:hiddenLine xmlns="" xmlns:a14="http://schemas.microsoft.com/office/drawing/2010/main" w="9525">
+                <a14:hiddenLine xmlns:a14="http://schemas.microsoft.com/office/drawing/2010/main" xmlns="" w="9525">
                   <a:solidFill>
                     <a:srgbClr val="000000"/>
                   </a:solidFill>
@@ -4278,7 +4279,7 @@
             </a:ln>
             <a:extLst>
               <a:ext uri="{91240B29-F687-4f45-9708-019B960494DF}">
-                <a14:hiddenLine xmlns="" xmlns:a14="http://schemas.microsoft.com/office/drawing/2010/main" w="9525">
+                <a14:hiddenLine xmlns:a14="http://schemas.microsoft.com/office/drawing/2010/main" xmlns="" w="9525">
                   <a:solidFill>
                     <a:srgbClr val="000000"/>
                   </a:solidFill>
@@ -4418,7 +4419,7 @@
           <a:p>
             <a:fld id="{48A87A34-81AB-432B-8DAE-1953F412C126}" type="datetimeFigureOut">
               <a:rPr lang="en-US" dirty="0"/>
-              <a:t>10/2/2019</a:t>
+              <a:t>10/9/2019</a:t>
             </a:fld>
             <a:endParaRPr lang="en-US" dirty="0"/>
           </a:p>
@@ -4680,7 +4681,7 @@
           <a:p>
             <a:fld id="{48A87A34-81AB-432B-8DAE-1953F412C126}" type="datetimeFigureOut">
               <a:rPr lang="en-US" dirty="0"/>
-              <a:t>10/2/2019</a:t>
+              <a:t>10/9/2019</a:t>
             </a:fld>
             <a:endParaRPr lang="en-US" dirty="0"/>
           </a:p>
@@ -4871,7 +4872,7 @@
           <a:p>
             <a:fld id="{48A87A34-81AB-432B-8DAE-1953F412C126}" type="datetimeFigureOut">
               <a:rPr lang="en-US" dirty="0"/>
-              <a:t>10/2/2019</a:t>
+              <a:t>10/9/2019</a:t>
             </a:fld>
             <a:endParaRPr lang="en-US" dirty="0"/>
           </a:p>
@@ -5129,7 +5130,7 @@
           <a:p>
             <a:fld id="{48A87A34-81AB-432B-8DAE-1953F412C126}" type="datetimeFigureOut">
               <a:rPr lang="en-US" dirty="0"/>
-              <a:t>10/2/2019</a:t>
+              <a:t>10/9/2019</a:t>
             </a:fld>
             <a:endParaRPr lang="en-US" dirty="0"/>
           </a:p>
@@ -5558,7 +5559,7 @@
           <a:p>
             <a:fld id="{48A87A34-81AB-432B-8DAE-1953F412C126}" type="datetimeFigureOut">
               <a:rPr lang="en-US" dirty="0"/>
-              <a:t>10/2/2019</a:t>
+              <a:t>10/9/2019</a:t>
             </a:fld>
             <a:endParaRPr lang="en-US" dirty="0"/>
           </a:p>
@@ -6099,7 +6100,7 @@
           <a:p>
             <a:fld id="{48A87A34-81AB-432B-8DAE-1953F412C126}" type="datetimeFigureOut">
               <a:rPr lang="en-US" dirty="0"/>
-              <a:t>10/2/2019</a:t>
+              <a:t>10/9/2019</a:t>
             </a:fld>
             <a:endParaRPr lang="en-US" dirty="0"/>
           </a:p>
@@ -6814,7 +6815,7 @@
           <a:p>
             <a:fld id="{48A87A34-81AB-432B-8DAE-1953F412C126}" type="datetimeFigureOut">
               <a:rPr lang="en-US" dirty="0"/>
-              <a:t>10/2/2019</a:t>
+              <a:t>10/9/2019</a:t>
             </a:fld>
             <a:endParaRPr lang="en-US" dirty="0"/>
           </a:p>
@@ -6979,7 +6980,7 @@
           <a:p>
             <a:fld id="{48A87A34-81AB-432B-8DAE-1953F412C126}" type="datetimeFigureOut">
               <a:rPr lang="en-US" dirty="0"/>
-              <a:t>10/2/2019</a:t>
+              <a:t>10/9/2019</a:t>
             </a:fld>
             <a:endParaRPr lang="en-US" dirty="0"/>
           </a:p>
@@ -7154,7 +7155,7 @@
           <a:p>
             <a:fld id="{48A87A34-81AB-432B-8DAE-1953F412C126}" type="datetimeFigureOut">
               <a:rPr lang="en-US" dirty="0"/>
-              <a:t>10/2/2019</a:t>
+              <a:t>10/9/2019</a:t>
             </a:fld>
             <a:endParaRPr lang="en-US" dirty="0"/>
           </a:p>
@@ -7319,7 +7320,7 @@
           <a:p>
             <a:fld id="{48A87A34-81AB-432B-8DAE-1953F412C126}" type="datetimeFigureOut">
               <a:rPr lang="en-US" dirty="0"/>
-              <a:t>10/2/2019</a:t>
+              <a:t>10/9/2019</a:t>
             </a:fld>
             <a:endParaRPr lang="en-US" dirty="0"/>
           </a:p>
@@ -7564,7 +7565,7 @@
           <a:p>
             <a:fld id="{48A87A34-81AB-432B-8DAE-1953F412C126}" type="datetimeFigureOut">
               <a:rPr lang="en-US" dirty="0"/>
-              <a:t>10/2/2019</a:t>
+              <a:t>10/9/2019</a:t>
             </a:fld>
             <a:endParaRPr lang="en-US" dirty="0"/>
           </a:p>
@@ -7791,7 +7792,7 @@
           <a:p>
             <a:fld id="{48A87A34-81AB-432B-8DAE-1953F412C126}" type="datetimeFigureOut">
               <a:rPr lang="en-US" dirty="0"/>
-              <a:t>10/2/2019</a:t>
+              <a:t>10/9/2019</a:t>
             </a:fld>
             <a:endParaRPr lang="en-US" dirty="0"/>
           </a:p>
@@ -8167,7 +8168,7 @@
           <a:p>
             <a:fld id="{48A87A34-81AB-432B-8DAE-1953F412C126}" type="datetimeFigureOut">
               <a:rPr lang="en-US" dirty="0"/>
-              <a:t>10/2/2019</a:t>
+              <a:t>10/9/2019</a:t>
             </a:fld>
             <a:endParaRPr lang="en-US" dirty="0"/>
           </a:p>
@@ -8280,7 +8281,7 @@
           <a:p>
             <a:fld id="{48A87A34-81AB-432B-8DAE-1953F412C126}" type="datetimeFigureOut">
               <a:rPr lang="en-US" dirty="0"/>
-              <a:t>10/2/2019</a:t>
+              <a:t>10/9/2019</a:t>
             </a:fld>
             <a:endParaRPr lang="en-US" dirty="0"/>
           </a:p>
@@ -8370,7 +8371,7 @@
           <a:p>
             <a:fld id="{48A87A34-81AB-432B-8DAE-1953F412C126}" type="datetimeFigureOut">
               <a:rPr lang="en-US" dirty="0"/>
-              <a:t>10/2/2019</a:t>
+              <a:t>10/9/2019</a:t>
             </a:fld>
             <a:endParaRPr lang="en-US" dirty="0"/>
           </a:p>
@@ -8614,7 +8615,7 @@
           <a:p>
             <a:fld id="{48A87A34-81AB-432B-8DAE-1953F412C126}" type="datetimeFigureOut">
               <a:rPr lang="en-US" dirty="0"/>
-              <a:t>10/2/2019</a:t>
+              <a:t>10/9/2019</a:t>
             </a:fld>
             <a:endParaRPr lang="en-US" dirty="0"/>
           </a:p>
@@ -8889,7 +8890,7 @@
           <a:p>
             <a:fld id="{48A87A34-81AB-432B-8DAE-1953F412C126}" type="datetimeFigureOut">
               <a:rPr lang="en-US" dirty="0"/>
-              <a:t>10/2/2019</a:t>
+              <a:t>10/9/2019</a:t>
             </a:fld>
             <a:endParaRPr lang="en-US" dirty="0"/>
           </a:p>
@@ -9000,7 +9001,7 @@
           <a:noFill/>
           <a:extLst>
             <a:ext uri="{909E8E84-426E-40dd-AFC4-6F175D3DCCD1}">
-              <a14:hiddenFill xmlns="" xmlns:a14="http://schemas.microsoft.com/office/drawing/2010/main">
+              <a14:hiddenFill xmlns:a14="http://schemas.microsoft.com/office/drawing/2010/main" xmlns="">
                 <a:solidFill>
                   <a:srgbClr val="FFFFFF"/>
                 </a:solidFill>
@@ -9074,7 +9075,7 @@
               </a:ln>
               <a:extLst>
                 <a:ext uri="{91240B29-F687-4f45-9708-019B960494DF}">
-                  <a14:hiddenLine xmlns="" xmlns:a14="http://schemas.microsoft.com/office/drawing/2010/main" w="9525">
+                  <a14:hiddenLine xmlns:a14="http://schemas.microsoft.com/office/drawing/2010/main" xmlns="" w="9525">
                     <a:solidFill>
                       <a:srgbClr val="000000"/>
                     </a:solidFill>
@@ -9164,7 +9165,7 @@
               </a:ln>
               <a:extLst>
                 <a:ext uri="{91240B29-F687-4f45-9708-019B960494DF}">
-                  <a14:hiddenLine xmlns="" xmlns:a14="http://schemas.microsoft.com/office/drawing/2010/main" w="9525">
+                  <a14:hiddenLine xmlns:a14="http://schemas.microsoft.com/office/drawing/2010/main" xmlns="" w="9525">
                     <a:solidFill>
                       <a:srgbClr val="000000"/>
                     </a:solidFill>
@@ -9254,7 +9255,7 @@
               </a:ln>
               <a:extLst>
                 <a:ext uri="{91240B29-F687-4f45-9708-019B960494DF}">
-                  <a14:hiddenLine xmlns="" xmlns:a14="http://schemas.microsoft.com/office/drawing/2010/main" w="9525">
+                  <a14:hiddenLine xmlns:a14="http://schemas.microsoft.com/office/drawing/2010/main" xmlns="" w="9525">
                     <a:solidFill>
                       <a:srgbClr val="000000"/>
                     </a:solidFill>
@@ -9316,7 +9317,7 @@
               </a:ln>
               <a:extLst>
                 <a:ext uri="{91240B29-F687-4f45-9708-019B960494DF}">
-                  <a14:hiddenLine xmlns="" xmlns:a14="http://schemas.microsoft.com/office/drawing/2010/main" w="9525">
+                  <a14:hiddenLine xmlns:a14="http://schemas.microsoft.com/office/drawing/2010/main" xmlns="" w="9525">
                     <a:solidFill>
                       <a:srgbClr val="000000"/>
                     </a:solidFill>
@@ -9406,7 +9407,7 @@
               </a:ln>
               <a:extLst>
                 <a:ext uri="{91240B29-F687-4f45-9708-019B960494DF}">
-                  <a14:hiddenLine xmlns="" xmlns:a14="http://schemas.microsoft.com/office/drawing/2010/main" w="9525">
+                  <a14:hiddenLine xmlns:a14="http://schemas.microsoft.com/office/drawing/2010/main" xmlns="" w="9525">
                     <a:solidFill>
                       <a:srgbClr val="000000"/>
                     </a:solidFill>
@@ -9468,7 +9469,7 @@
               </a:ln>
               <a:extLst>
                 <a:ext uri="{91240B29-F687-4f45-9708-019B960494DF}">
-                  <a14:hiddenLine xmlns="" xmlns:a14="http://schemas.microsoft.com/office/drawing/2010/main" w="9525">
+                  <a14:hiddenLine xmlns:a14="http://schemas.microsoft.com/office/drawing/2010/main" xmlns="" w="9525">
                     <a:solidFill>
                       <a:srgbClr val="000000"/>
                     </a:solidFill>
@@ -9530,7 +9531,7 @@
               </a:ln>
               <a:extLst>
                 <a:ext uri="{91240B29-F687-4f45-9708-019B960494DF}">
-                  <a14:hiddenLine xmlns="" xmlns:a14="http://schemas.microsoft.com/office/drawing/2010/main" w="9525">
+                  <a14:hiddenLine xmlns:a14="http://schemas.microsoft.com/office/drawing/2010/main" xmlns="" w="9525">
                     <a:solidFill>
                       <a:srgbClr val="000000"/>
                     </a:solidFill>
@@ -9620,7 +9621,7 @@
               </a:ln>
               <a:extLst>
                 <a:ext uri="{91240B29-F687-4f45-9708-019B960494DF}">
-                  <a14:hiddenLine xmlns="" xmlns:a14="http://schemas.microsoft.com/office/drawing/2010/main" w="9525">
+                  <a14:hiddenLine xmlns:a14="http://schemas.microsoft.com/office/drawing/2010/main" xmlns="" w="9525">
                     <a:solidFill>
                       <a:srgbClr val="000000"/>
                     </a:solidFill>
@@ -9710,7 +9711,7 @@
               </a:ln>
               <a:extLst>
                 <a:ext uri="{91240B29-F687-4f45-9708-019B960494DF}">
-                  <a14:hiddenLine xmlns="" xmlns:a14="http://schemas.microsoft.com/office/drawing/2010/main" w="9525">
+                  <a14:hiddenLine xmlns:a14="http://schemas.microsoft.com/office/drawing/2010/main" xmlns="" w="9525">
                     <a:solidFill>
                       <a:srgbClr val="000000"/>
                     </a:solidFill>
@@ -9772,7 +9773,7 @@
               </a:ln>
               <a:extLst>
                 <a:ext uri="{91240B29-F687-4f45-9708-019B960494DF}">
-                  <a14:hiddenLine xmlns="" xmlns:a14="http://schemas.microsoft.com/office/drawing/2010/main" w="9525">
+                  <a14:hiddenLine xmlns:a14="http://schemas.microsoft.com/office/drawing/2010/main" xmlns="" w="9525">
                     <a:solidFill>
                       <a:srgbClr val="000000"/>
                     </a:solidFill>
@@ -9882,7 +9883,7 @@
               </a:ln>
               <a:extLst>
                 <a:ext uri="{91240B29-F687-4f45-9708-019B960494DF}">
-                  <a14:hiddenLine xmlns="" xmlns:a14="http://schemas.microsoft.com/office/drawing/2010/main" w="9525">
+                  <a14:hiddenLine xmlns:a14="http://schemas.microsoft.com/office/drawing/2010/main" xmlns="" w="9525">
                     <a:solidFill>
                       <a:srgbClr val="000000"/>
                     </a:solidFill>
@@ -9966,7 +9967,7 @@
               </a:ln>
               <a:extLst>
                 <a:ext uri="{91240B29-F687-4f45-9708-019B960494DF}">
-                  <a14:hiddenLine xmlns="" xmlns:a14="http://schemas.microsoft.com/office/drawing/2010/main" w="9525">
+                  <a14:hiddenLine xmlns:a14="http://schemas.microsoft.com/office/drawing/2010/main" xmlns="" w="9525">
                     <a:solidFill>
                       <a:srgbClr val="000000"/>
                     </a:solidFill>
@@ -10028,7 +10029,7 @@
               </a:ln>
               <a:extLst>
                 <a:ext uri="{91240B29-F687-4f45-9708-019B960494DF}">
-                  <a14:hiddenLine xmlns="" xmlns:a14="http://schemas.microsoft.com/office/drawing/2010/main" w="9525">
+                  <a14:hiddenLine xmlns:a14="http://schemas.microsoft.com/office/drawing/2010/main" xmlns="" w="9525">
                     <a:solidFill>
                       <a:srgbClr val="000000"/>
                     </a:solidFill>
@@ -10090,7 +10091,7 @@
               </a:ln>
               <a:extLst>
                 <a:ext uri="{91240B29-F687-4f45-9708-019B960494DF}">
-                  <a14:hiddenLine xmlns="" xmlns:a14="http://schemas.microsoft.com/office/drawing/2010/main" w="9525">
+                  <a14:hiddenLine xmlns:a14="http://schemas.microsoft.com/office/drawing/2010/main" xmlns="" w="9525">
                     <a:solidFill>
                       <a:srgbClr val="000000"/>
                     </a:solidFill>
@@ -10180,7 +10181,7 @@
               </a:ln>
               <a:extLst>
                 <a:ext uri="{91240B29-F687-4f45-9708-019B960494DF}">
-                  <a14:hiddenLine xmlns="" xmlns:a14="http://schemas.microsoft.com/office/drawing/2010/main" w="9525">
+                  <a14:hiddenLine xmlns:a14="http://schemas.microsoft.com/office/drawing/2010/main" xmlns="" w="9525">
                     <a:solidFill>
                       <a:srgbClr val="000000"/>
                     </a:solidFill>
@@ -10214,7 +10215,7 @@
               </a:ln>
               <a:extLst>
                 <a:ext uri="{91240B29-F687-4f45-9708-019B960494DF}">
-                  <a14:hiddenLine xmlns="" xmlns:a14="http://schemas.microsoft.com/office/drawing/2010/main" w="9525">
+                  <a14:hiddenLine xmlns:a14="http://schemas.microsoft.com/office/drawing/2010/main" xmlns="" w="9525">
                     <a:solidFill>
                       <a:srgbClr val="000000"/>
                     </a:solidFill>
@@ -10279,7 +10280,7 @@
               </a:ln>
               <a:extLst>
                 <a:ext uri="{91240B29-F687-4f45-9708-019B960494DF}">
-                  <a14:hiddenLine xmlns="" xmlns:a14="http://schemas.microsoft.com/office/drawing/2010/main" w="9525">
+                  <a14:hiddenLine xmlns:a14="http://schemas.microsoft.com/office/drawing/2010/main" xmlns="" w="9525">
                     <a:solidFill>
                       <a:srgbClr val="000000"/>
                     </a:solidFill>
@@ -10369,7 +10370,7 @@
               </a:ln>
               <a:extLst>
                 <a:ext uri="{91240B29-F687-4f45-9708-019B960494DF}">
-                  <a14:hiddenLine xmlns="" xmlns:a14="http://schemas.microsoft.com/office/drawing/2010/main" w="9525">
+                  <a14:hiddenLine xmlns:a14="http://schemas.microsoft.com/office/drawing/2010/main" xmlns="" w="9525">
                     <a:solidFill>
                       <a:srgbClr val="000000"/>
                     </a:solidFill>
@@ -10431,7 +10432,7 @@
               </a:ln>
               <a:extLst>
                 <a:ext uri="{91240B29-F687-4f45-9708-019B960494DF}">
-                  <a14:hiddenLine xmlns="" xmlns:a14="http://schemas.microsoft.com/office/drawing/2010/main" w="9525">
+                  <a14:hiddenLine xmlns:a14="http://schemas.microsoft.com/office/drawing/2010/main" xmlns="" w="9525">
                     <a:solidFill>
                       <a:srgbClr val="000000"/>
                     </a:solidFill>
@@ -10521,7 +10522,7 @@
               </a:ln>
               <a:extLst>
                 <a:ext uri="{91240B29-F687-4f45-9708-019B960494DF}">
-                  <a14:hiddenLine xmlns="" xmlns:a14="http://schemas.microsoft.com/office/drawing/2010/main" w="9525">
+                  <a14:hiddenLine xmlns:a14="http://schemas.microsoft.com/office/drawing/2010/main" xmlns="" w="9525">
                     <a:solidFill>
                       <a:srgbClr val="000000"/>
                     </a:solidFill>
@@ -10586,7 +10587,7 @@
               </a:ln>
               <a:extLst>
                 <a:ext uri="{91240B29-F687-4f45-9708-019B960494DF}">
-                  <a14:hiddenLine xmlns="" xmlns:a14="http://schemas.microsoft.com/office/drawing/2010/main" w="9525">
+                  <a14:hiddenLine xmlns:a14="http://schemas.microsoft.com/office/drawing/2010/main" xmlns="" w="9525">
                     <a:solidFill>
                       <a:srgbClr val="000000"/>
                     </a:solidFill>
@@ -10648,7 +10649,7 @@
               </a:ln>
               <a:extLst>
                 <a:ext uri="{91240B29-F687-4f45-9708-019B960494DF}">
-                  <a14:hiddenLine xmlns="" xmlns:a14="http://schemas.microsoft.com/office/drawing/2010/main" w="9525">
+                  <a14:hiddenLine xmlns:a14="http://schemas.microsoft.com/office/drawing/2010/main" xmlns="" w="9525">
                     <a:solidFill>
                       <a:srgbClr val="000000"/>
                     </a:solidFill>
@@ -10738,7 +10739,7 @@
               </a:ln>
               <a:extLst>
                 <a:ext uri="{91240B29-F687-4f45-9708-019B960494DF}">
-                  <a14:hiddenLine xmlns="" xmlns:a14="http://schemas.microsoft.com/office/drawing/2010/main" w="9525">
+                  <a14:hiddenLine xmlns:a14="http://schemas.microsoft.com/office/drawing/2010/main" xmlns="" w="9525">
                     <a:solidFill>
                       <a:srgbClr val="000000"/>
                     </a:solidFill>
@@ -10828,7 +10829,7 @@
               </a:ln>
               <a:extLst>
                 <a:ext uri="{91240B29-F687-4f45-9708-019B960494DF}">
-                  <a14:hiddenLine xmlns="" xmlns:a14="http://schemas.microsoft.com/office/drawing/2010/main" w="9525">
+                  <a14:hiddenLine xmlns:a14="http://schemas.microsoft.com/office/drawing/2010/main" xmlns="" w="9525">
                     <a:solidFill>
                       <a:srgbClr val="000000"/>
                     </a:solidFill>
@@ -10893,7 +10894,7 @@
               </a:ln>
               <a:extLst>
                 <a:ext uri="{91240B29-F687-4f45-9708-019B960494DF}">
-                  <a14:hiddenLine xmlns="" xmlns:a14="http://schemas.microsoft.com/office/drawing/2010/main" w="9525">
+                  <a14:hiddenLine xmlns:a14="http://schemas.microsoft.com/office/drawing/2010/main" xmlns="" w="9525">
                     <a:solidFill>
                       <a:srgbClr val="000000"/>
                     </a:solidFill>
@@ -11013,7 +11014,7 @@
               </a:ln>
               <a:extLst>
                 <a:ext uri="{91240B29-F687-4f45-9708-019B960494DF}">
-                  <a14:hiddenLine xmlns="" xmlns:a14="http://schemas.microsoft.com/office/drawing/2010/main" w="9525">
+                  <a14:hiddenLine xmlns:a14="http://schemas.microsoft.com/office/drawing/2010/main" xmlns="" w="9525">
                     <a:solidFill>
                       <a:srgbClr val="000000"/>
                     </a:solidFill>
@@ -11111,7 +11112,7 @@
               </a:ln>
               <a:extLst>
                 <a:ext uri="{91240B29-F687-4f45-9708-019B960494DF}">
-                  <a14:hiddenLine xmlns="" xmlns:a14="http://schemas.microsoft.com/office/drawing/2010/main" w="9525">
+                  <a14:hiddenLine xmlns:a14="http://schemas.microsoft.com/office/drawing/2010/main" xmlns="" w="9525">
                     <a:solidFill>
                       <a:srgbClr val="000000"/>
                     </a:solidFill>
@@ -11226,7 +11227,7 @@
               </a:ln>
               <a:extLst>
                 <a:ext uri="{91240B29-F687-4f45-9708-019B960494DF}">
-                  <a14:hiddenLine xmlns="" xmlns:a14="http://schemas.microsoft.com/office/drawing/2010/main" w="9525">
+                  <a14:hiddenLine xmlns:a14="http://schemas.microsoft.com/office/drawing/2010/main" xmlns="" w="9525">
                     <a:solidFill>
                       <a:srgbClr val="000000"/>
                     </a:solidFill>
@@ -11316,7 +11317,7 @@
               </a:ln>
               <a:extLst>
                 <a:ext uri="{91240B29-F687-4f45-9708-019B960494DF}">
-                  <a14:hiddenLine xmlns="" xmlns:a14="http://schemas.microsoft.com/office/drawing/2010/main" w="9525">
+                  <a14:hiddenLine xmlns:a14="http://schemas.microsoft.com/office/drawing/2010/main" xmlns="" w="9525">
                     <a:solidFill>
                       <a:srgbClr val="000000"/>
                     </a:solidFill>
@@ -11381,7 +11382,7 @@
               </a:ln>
               <a:extLst>
                 <a:ext uri="{91240B29-F687-4f45-9708-019B960494DF}">
-                  <a14:hiddenLine xmlns="" xmlns:a14="http://schemas.microsoft.com/office/drawing/2010/main" w="9525">
+                  <a14:hiddenLine xmlns:a14="http://schemas.microsoft.com/office/drawing/2010/main" xmlns="" w="9525">
                     <a:solidFill>
                       <a:srgbClr val="000000"/>
                     </a:solidFill>
@@ -11471,7 +11472,7 @@
               </a:ln>
               <a:extLst>
                 <a:ext uri="{91240B29-F687-4f45-9708-019B960494DF}">
-                  <a14:hiddenLine xmlns="" xmlns:a14="http://schemas.microsoft.com/office/drawing/2010/main" w="9525">
+                  <a14:hiddenLine xmlns:a14="http://schemas.microsoft.com/office/drawing/2010/main" xmlns="" w="9525">
                     <a:solidFill>
                       <a:srgbClr val="000000"/>
                     </a:solidFill>
@@ -11539,7 +11540,7 @@
               </a:ln>
               <a:extLst>
                 <a:ext uri="{91240B29-F687-4f45-9708-019B960494DF}">
-                  <a14:hiddenLine xmlns="" xmlns:a14="http://schemas.microsoft.com/office/drawing/2010/main" w="9525">
+                  <a14:hiddenLine xmlns:a14="http://schemas.microsoft.com/office/drawing/2010/main" xmlns="" w="9525">
                     <a:solidFill>
                       <a:srgbClr val="000000"/>
                     </a:solidFill>
@@ -11629,7 +11630,7 @@
               </a:ln>
               <a:extLst>
                 <a:ext uri="{91240B29-F687-4f45-9708-019B960494DF}">
-                  <a14:hiddenLine xmlns="" xmlns:a14="http://schemas.microsoft.com/office/drawing/2010/main" w="9525">
+                  <a14:hiddenLine xmlns:a14="http://schemas.microsoft.com/office/drawing/2010/main" xmlns="" w="9525">
                     <a:solidFill>
                       <a:srgbClr val="000000"/>
                     </a:solidFill>
@@ -11697,7 +11698,7 @@
               </a:ln>
               <a:extLst>
                 <a:ext uri="{91240B29-F687-4f45-9708-019B960494DF}">
-                  <a14:hiddenLine xmlns="" xmlns:a14="http://schemas.microsoft.com/office/drawing/2010/main" w="9525">
+                  <a14:hiddenLine xmlns:a14="http://schemas.microsoft.com/office/drawing/2010/main" xmlns="" w="9525">
                     <a:solidFill>
                       <a:srgbClr val="000000"/>
                     </a:solidFill>
@@ -11787,7 +11788,7 @@
               </a:ln>
               <a:extLst>
                 <a:ext uri="{91240B29-F687-4f45-9708-019B960494DF}">
-                  <a14:hiddenLine xmlns="" xmlns:a14="http://schemas.microsoft.com/office/drawing/2010/main" w="9525">
+                  <a14:hiddenLine xmlns:a14="http://schemas.microsoft.com/office/drawing/2010/main" xmlns="" w="9525">
                     <a:solidFill>
                       <a:srgbClr val="000000"/>
                     </a:solidFill>
@@ -11821,7 +11822,7 @@
               </a:ln>
               <a:extLst>
                 <a:ext uri="{91240B29-F687-4f45-9708-019B960494DF}">
-                  <a14:hiddenLine xmlns="" xmlns:a14="http://schemas.microsoft.com/office/drawing/2010/main" w="9525">
+                  <a14:hiddenLine xmlns:a14="http://schemas.microsoft.com/office/drawing/2010/main" xmlns="" w="9525">
                     <a:solidFill>
                       <a:srgbClr val="000000"/>
                     </a:solidFill>
@@ -11962,7 +11963,7 @@
             <a:fld id="{48A87A34-81AB-432B-8DAE-1953F412C126}" type="datetimeFigureOut">
               <a:rPr lang="en-US" dirty="0"/>
               <a:pPr/>
-              <a:t>10/2/2019</a:t>
+              <a:t>10/9/2019</a:t>
             </a:fld>
             <a:endParaRPr lang="en-US" dirty="0"/>
           </a:p>
@@ -15051,6 +15052,138 @@
 </p:sld>
 </file>
 
+<file path=ppt/slides/slide32.xml><?xml version="1.0" encoding="utf-8"?>
+<p:sld xmlns:a="http://schemas.openxmlformats.org/drawingml/2006/main" xmlns:r="http://schemas.openxmlformats.org/officeDocument/2006/relationships" xmlns:p="http://schemas.openxmlformats.org/presentationml/2006/main">
+  <p:cSld>
+    <p:spTree>
+      <p:nvGrpSpPr>
+        <p:cNvPr id="1" name=""/>
+        <p:cNvGrpSpPr/>
+        <p:nvPr/>
+      </p:nvGrpSpPr>
+      <p:grpSpPr>
+        <a:xfrm>
+          <a:off x="0" y="0"/>
+          <a:ext cx="0" cy="0"/>
+          <a:chOff x="0" y="0"/>
+          <a:chExt cx="0" cy="0"/>
+        </a:xfrm>
+      </p:grpSpPr>
+      <p:sp>
+        <p:nvSpPr>
+          <p:cNvPr id="2" name="Title 1">
+            <a:extLst>
+              <a:ext uri="{FF2B5EF4-FFF2-40B4-BE49-F238E27FC236}">
+                <a16:creationId xmlns:a16="http://schemas.microsoft.com/office/drawing/2014/main" id="{0DD82C84-092D-400E-8261-D507A95F52FE}"/>
+              </a:ext>
+            </a:extLst>
+          </p:cNvPr>
+          <p:cNvSpPr>
+            <a:spLocks noGrp="1"/>
+          </p:cNvSpPr>
+          <p:nvPr>
+            <p:ph type="title"/>
+          </p:nvPr>
+        </p:nvSpPr>
+        <p:spPr/>
+        <p:txBody>
+          <a:bodyPr/>
+          <a:lstStyle/>
+          <a:p>
+            <a:r>
+              <a:rPr lang="en-US" dirty="0"/>
+              <a:t>License</a:t>
+            </a:r>
+          </a:p>
+        </p:txBody>
+      </p:sp>
+      <p:sp>
+        <p:nvSpPr>
+          <p:cNvPr id="3" name="Content Placeholder 2">
+            <a:extLst>
+              <a:ext uri="{FF2B5EF4-FFF2-40B4-BE49-F238E27FC236}">
+                <a16:creationId xmlns:a16="http://schemas.microsoft.com/office/drawing/2014/main" id="{1C697DC7-E06A-41D8-AF9E-A9D60FB4D6D9}"/>
+              </a:ext>
+            </a:extLst>
+          </p:cNvPr>
+          <p:cNvSpPr>
+            <a:spLocks noGrp="1"/>
+          </p:cNvSpPr>
+          <p:nvPr>
+            <p:ph idx="1"/>
+          </p:nvPr>
+        </p:nvSpPr>
+        <p:spPr/>
+        <p:txBody>
+          <a:bodyPr>
+            <a:normAutofit fontScale="62500" lnSpcReduction="20000"/>
+          </a:bodyPr>
+          <a:lstStyle/>
+          <a:p>
+            <a:pPr marL="0" indent="0">
+              <a:buNone/>
+            </a:pPr>
+            <a:r>
+              <a:rPr lang="en-US" dirty="0"/>
+              <a:t>MIT License</a:t>
+            </a:r>
+          </a:p>
+          <a:p>
+            <a:pPr marL="0" indent="0">
+              <a:buNone/>
+            </a:pPr>
+            <a:r>
+              <a:rPr lang="en-US" dirty="0"/>
+              <a:t>Copyright (c) 2019 Doug Bowman dbowmans46@gmail.com</a:t>
+            </a:r>
+          </a:p>
+          <a:p>
+            <a:pPr marL="0" indent="0">
+              <a:buNone/>
+            </a:pPr>
+            <a:r>
+              <a:rPr lang="en-US" dirty="0"/>
+              <a:t>Permission is hereby granted, free of charge, to any person obtaining a copy of this software and associated documentation files (the "Software"), to deal in the Software without restriction, including without limitation the rights to use, copy, modify, merge, publish, distribute, sublicense, and/or sell copies of the Software, and to permit persons to whom the Software is furnished to do so, subject to the following conditions:</a:t>
+            </a:r>
+          </a:p>
+          <a:p>
+            <a:pPr marL="0" indent="0">
+              <a:buNone/>
+            </a:pPr>
+            <a:r>
+              <a:rPr lang="en-US" dirty="0"/>
+              <a:t>The above copyright notice and this permission notice shall be included in all copies or substantial portions of the </a:t>
+            </a:r>
+            <a:r>
+              <a:rPr lang="en-US"/>
+              <a:t>Software.</a:t>
+            </a:r>
+            <a:endParaRPr lang="en-US" dirty="0"/>
+          </a:p>
+          <a:p>
+            <a:pPr marL="0" indent="0">
+              <a:buNone/>
+            </a:pPr>
+            <a:r>
+              <a:rPr lang="en-US" dirty="0"/>
+              <a:t>THE SOFTWARE IS PROVIDED "AS IS", WITHOUT WARRANTY OF ANY KIND, EXPRESS OR IMPLIED, INCLUDING BUT NOT LIMITED TO THE WARRANTIES OF MERCHANTABILITY, FITNESS FOR A PARTICULAR PURPOSE AND NONINFRINGEMENT. IN NO EVENT SHALL THE AUTHORS OR COPYRIGHT HOLDERS BE LIABLE FOR ANY CLAIM, DAMAGES OR OTHER LIABILITY, WHETHER IN AN ACTION OF CONTRACT, TORT OR OTHERWISE, ARISING FROM, OUT OF OR IN CONNECTION WITH THE SOFTWARE OR THE USE OR OTHER DEALINGS IN THE SOFTWARE.</a:t>
+            </a:r>
+          </a:p>
+        </p:txBody>
+      </p:sp>
+    </p:spTree>
+    <p:extLst>
+      <p:ext uri="{BB962C8B-B14F-4D97-AF65-F5344CB8AC3E}">
+        <p14:creationId xmlns:p14="http://schemas.microsoft.com/office/powerpoint/2010/main" val="2107379564"/>
+      </p:ext>
+    </p:extLst>
+  </p:cSld>
+  <p:clrMapOvr>
+    <a:masterClrMapping/>
+  </p:clrMapOvr>
+</p:sld>
+</file>
+
 <file path=ppt/slides/slide4.xml><?xml version="1.0" encoding="utf-8"?>
 <p:sld xmlns:a="http://schemas.openxmlformats.org/drawingml/2006/main" xmlns:r="http://schemas.openxmlformats.org/officeDocument/2006/relationships" xmlns:p="http://schemas.openxmlformats.org/presentationml/2006/main">
   <p:cSld>
